--- a/Аппроксимация функции нескольких переменных.pptx
+++ b/Аппроксимация функции нескольких переменных.pptx
@@ -8,8 +8,13 @@
     <p:sldId id="256" r:id="rId2"/>
     <p:sldId id="257" r:id="rId3"/>
     <p:sldId id="258" r:id="rId4"/>
-    <p:sldId id="260" r:id="rId5"/>
-    <p:sldId id="259" r:id="rId6"/>
+    <p:sldId id="261" r:id="rId5"/>
+    <p:sldId id="262" r:id="rId6"/>
+    <p:sldId id="265" r:id="rId7"/>
+    <p:sldId id="260" r:id="rId8"/>
+    <p:sldId id="259" r:id="rId9"/>
+    <p:sldId id="263" r:id="rId10"/>
+    <p:sldId id="264" r:id="rId11"/>
   </p:sldIdLst>
   <p:sldSz cx="12192000" cy="6858000"/>
   <p:notesSz cx="6858000" cy="9144000"/>
@@ -247,7 +252,7 @@
           <a:p>
             <a:fld id="{B39FFFB0-935A-4189-83B2-2CF7C3C85019}" type="datetimeFigureOut">
               <a:rPr lang="ru-RU" smtClean="0"/>
-              <a:t>15.02.2016</a:t>
+              <a:t>19.02.2016</a:t>
             </a:fld>
             <a:endParaRPr lang="ru-RU"/>
           </a:p>
@@ -417,7 +422,7 @@
           <a:p>
             <a:fld id="{B39FFFB0-935A-4189-83B2-2CF7C3C85019}" type="datetimeFigureOut">
               <a:rPr lang="ru-RU" smtClean="0"/>
-              <a:t>15.02.2016</a:t>
+              <a:t>19.02.2016</a:t>
             </a:fld>
             <a:endParaRPr lang="ru-RU"/>
           </a:p>
@@ -597,7 +602,7 @@
           <a:p>
             <a:fld id="{B39FFFB0-935A-4189-83B2-2CF7C3C85019}" type="datetimeFigureOut">
               <a:rPr lang="ru-RU" smtClean="0"/>
-              <a:t>15.02.2016</a:t>
+              <a:t>19.02.2016</a:t>
             </a:fld>
             <a:endParaRPr lang="ru-RU"/>
           </a:p>
@@ -767,7 +772,7 @@
           <a:p>
             <a:fld id="{B39FFFB0-935A-4189-83B2-2CF7C3C85019}" type="datetimeFigureOut">
               <a:rPr lang="ru-RU" smtClean="0"/>
-              <a:t>15.02.2016</a:t>
+              <a:t>19.02.2016</a:t>
             </a:fld>
             <a:endParaRPr lang="ru-RU"/>
           </a:p>
@@ -1013,7 +1018,7 @@
           <a:p>
             <a:fld id="{B39FFFB0-935A-4189-83B2-2CF7C3C85019}" type="datetimeFigureOut">
               <a:rPr lang="ru-RU" smtClean="0"/>
-              <a:t>15.02.2016</a:t>
+              <a:t>19.02.2016</a:t>
             </a:fld>
             <a:endParaRPr lang="ru-RU"/>
           </a:p>
@@ -1245,7 +1250,7 @@
           <a:p>
             <a:fld id="{B39FFFB0-935A-4189-83B2-2CF7C3C85019}" type="datetimeFigureOut">
               <a:rPr lang="ru-RU" smtClean="0"/>
-              <a:t>15.02.2016</a:t>
+              <a:t>19.02.2016</a:t>
             </a:fld>
             <a:endParaRPr lang="ru-RU"/>
           </a:p>
@@ -1612,7 +1617,7 @@
           <a:p>
             <a:fld id="{B39FFFB0-935A-4189-83B2-2CF7C3C85019}" type="datetimeFigureOut">
               <a:rPr lang="ru-RU" smtClean="0"/>
-              <a:t>15.02.2016</a:t>
+              <a:t>19.02.2016</a:t>
             </a:fld>
             <a:endParaRPr lang="ru-RU"/>
           </a:p>
@@ -1730,7 +1735,7 @@
           <a:p>
             <a:fld id="{B39FFFB0-935A-4189-83B2-2CF7C3C85019}" type="datetimeFigureOut">
               <a:rPr lang="ru-RU" smtClean="0"/>
-              <a:t>15.02.2016</a:t>
+              <a:t>19.02.2016</a:t>
             </a:fld>
             <a:endParaRPr lang="ru-RU"/>
           </a:p>
@@ -1825,7 +1830,7 @@
           <a:p>
             <a:fld id="{B39FFFB0-935A-4189-83B2-2CF7C3C85019}" type="datetimeFigureOut">
               <a:rPr lang="ru-RU" smtClean="0"/>
-              <a:t>15.02.2016</a:t>
+              <a:t>19.02.2016</a:t>
             </a:fld>
             <a:endParaRPr lang="ru-RU"/>
           </a:p>
@@ -2102,7 +2107,7 @@
           <a:p>
             <a:fld id="{B39FFFB0-935A-4189-83B2-2CF7C3C85019}" type="datetimeFigureOut">
               <a:rPr lang="ru-RU" smtClean="0"/>
-              <a:t>15.02.2016</a:t>
+              <a:t>19.02.2016</a:t>
             </a:fld>
             <a:endParaRPr lang="ru-RU"/>
           </a:p>
@@ -2355,7 +2360,7 @@
           <a:p>
             <a:fld id="{B39FFFB0-935A-4189-83B2-2CF7C3C85019}" type="datetimeFigureOut">
               <a:rPr lang="ru-RU" smtClean="0"/>
-              <a:t>15.02.2016</a:t>
+              <a:t>19.02.2016</a:t>
             </a:fld>
             <a:endParaRPr lang="ru-RU"/>
           </a:p>
@@ -2568,7 +2573,7 @@
           <a:p>
             <a:fld id="{B39FFFB0-935A-4189-83B2-2CF7C3C85019}" type="datetimeFigureOut">
               <a:rPr lang="ru-RU" smtClean="0"/>
-              <a:t>15.02.2016</a:t>
+              <a:t>19.02.2016</a:t>
             </a:fld>
             <a:endParaRPr lang="ru-RU"/>
           </a:p>
@@ -3038,6 +3043,192 @@
 </p:sld>
 </file>
 
+<file path=ppt/slides/slide10.xml><?xml version="1.0" encoding="utf-8"?>
+<p:sld xmlns:a="http://schemas.openxmlformats.org/drawingml/2006/main" xmlns:r="http://schemas.openxmlformats.org/officeDocument/2006/relationships" xmlns:p="http://schemas.openxmlformats.org/presentationml/2006/main">
+  <p:cSld>
+    <p:spTree>
+      <p:nvGrpSpPr>
+        <p:cNvPr id="1" name=""/>
+        <p:cNvGrpSpPr/>
+        <p:nvPr/>
+      </p:nvGrpSpPr>
+      <p:grpSpPr>
+        <a:xfrm>
+          <a:off x="0" y="0"/>
+          <a:ext cx="0" cy="0"/>
+          <a:chOff x="0" y="0"/>
+          <a:chExt cx="0" cy="0"/>
+        </a:xfrm>
+      </p:grpSpPr>
+      <p:sp>
+        <p:nvSpPr>
+          <p:cNvPr id="2" name="Заголовок 1"/>
+          <p:cNvSpPr>
+            <a:spLocks noGrp="1"/>
+          </p:cNvSpPr>
+          <p:nvPr>
+            <p:ph type="title"/>
+          </p:nvPr>
+        </p:nvSpPr>
+        <p:spPr/>
+        <p:txBody>
+          <a:bodyPr/>
+          <a:lstStyle/>
+          <a:p>
+            <a:r>
+              <a:rPr lang="ru-RU" dirty="0" smtClean="0"/>
+              <a:t>Спасибо за внимание</a:t>
+            </a:r>
+            <a:endParaRPr lang="ru-RU" dirty="0"/>
+          </a:p>
+        </p:txBody>
+      </p:sp>
+      <p:sp>
+        <p:nvSpPr>
+          <p:cNvPr id="3" name="Объект 2"/>
+          <p:cNvSpPr>
+            <a:spLocks noGrp="1"/>
+          </p:cNvSpPr>
+          <p:nvPr>
+            <p:ph idx="1"/>
+          </p:nvPr>
+        </p:nvSpPr>
+        <p:spPr/>
+        <p:txBody>
+          <a:bodyPr/>
+          <a:lstStyle/>
+          <a:p>
+            <a:r>
+              <a:rPr lang="ru-RU" dirty="0" smtClean="0"/>
+              <a:t>Контакты</a:t>
+            </a:r>
+            <a:endParaRPr lang="en-US" dirty="0" smtClean="0"/>
+          </a:p>
+          <a:p>
+            <a:pPr lvl="1"/>
+            <a:r>
+              <a:rPr lang="ru-RU" dirty="0" smtClean="0"/>
+              <a:t>Дмитрий Протопопов</a:t>
+            </a:r>
+            <a:r>
+              <a:rPr lang="en-US" dirty="0" smtClean="0"/>
+              <a:t>, </a:t>
+            </a:r>
+            <a:r>
+              <a:rPr lang="ru-RU" dirty="0" smtClean="0"/>
+              <a:t>Москва, Россия</a:t>
+            </a:r>
+            <a:r>
+              <a:rPr lang="en-US" dirty="0"/>
+              <a:t/>
+            </a:r>
+            <a:br>
+              <a:rPr lang="en-US" dirty="0"/>
+            </a:br>
+            <a:r>
+              <a:rPr lang="en-US" dirty="0"/>
+              <a:t> </a:t>
+            </a:r>
+            <a:r>
+              <a:rPr lang="en-US" dirty="0">
+                <a:hlinkClick r:id="rId2"/>
+              </a:rPr>
+              <a:t>dmitry@protopopov.ru</a:t>
+            </a:r>
+            <a:r>
+              <a:rPr lang="en-US" dirty="0"/>
+              <a:t> </a:t>
+            </a:r>
+            <a:br>
+              <a:rPr lang="en-US" dirty="0"/>
+            </a:br>
+            <a:r>
+              <a:rPr lang="en-US" dirty="0"/>
+              <a:t>+7 916 </a:t>
+            </a:r>
+            <a:r>
+              <a:rPr lang="en-US" dirty="0" smtClean="0"/>
+              <a:t>6969591</a:t>
+            </a:r>
+            <a:endParaRPr lang="ru-RU" dirty="0" smtClean="0"/>
+          </a:p>
+          <a:p>
+            <a:pPr lvl="1"/>
+            <a:endParaRPr lang="ru-RU" dirty="0"/>
+          </a:p>
+          <a:p>
+            <a:pPr lvl="1"/>
+            <a:r>
+              <a:rPr lang="ru-RU" dirty="0" smtClean="0"/>
+              <a:t>Интернет-адрес проекта</a:t>
+            </a:r>
+            <a:r>
+              <a:rPr lang="en-US" dirty="0" smtClean="0"/>
+              <a:t>: </a:t>
+            </a:r>
+            <a:r>
+              <a:rPr lang="en-US" dirty="0">
+                <a:hlinkClick r:id="rId3"/>
+              </a:rPr>
+              <a:t>https://</a:t>
+            </a:r>
+            <a:r>
+              <a:rPr lang="en-US" dirty="0" smtClean="0">
+                <a:hlinkClick r:id="rId3"/>
+              </a:rPr>
+              <a:t>github.com/dprotopopov/polylib</a:t>
+            </a:r>
+            <a:endParaRPr lang="ru-RU" dirty="0"/>
+          </a:p>
+          <a:p>
+            <a:pPr lvl="1"/>
+            <a:endParaRPr lang="en-US" dirty="0" smtClean="0"/>
+          </a:p>
+        </p:txBody>
+      </p:sp>
+      <p:sp>
+        <p:nvSpPr>
+          <p:cNvPr id="4" name="Нижний колонтитул 3"/>
+          <p:cNvSpPr>
+            <a:spLocks noGrp="1"/>
+          </p:cNvSpPr>
+          <p:nvPr>
+            <p:ph type="ftr" sz="quarter" idx="11"/>
+          </p:nvPr>
+        </p:nvSpPr>
+        <p:spPr/>
+        <p:txBody>
+          <a:bodyPr/>
+          <a:lstStyle/>
+          <a:p>
+            <a:r>
+              <a:rPr lang="en-US" dirty="0" smtClean="0"/>
+              <a:t>dmitry@protopopov.ru</a:t>
+            </a:r>
+            <a:endParaRPr lang="ru-RU" dirty="0"/>
+          </a:p>
+        </p:txBody>
+      </p:sp>
+    </p:spTree>
+    <p:extLst>
+      <p:ext uri="{BB962C8B-B14F-4D97-AF65-F5344CB8AC3E}">
+        <p14:creationId xmlns:p14="http://schemas.microsoft.com/office/powerpoint/2010/main" val="2805238599"/>
+      </p:ext>
+    </p:extLst>
+  </p:cSld>
+  <p:clrMapOvr>
+    <a:masterClrMapping/>
+  </p:clrMapOvr>
+  <p:timing>
+    <p:tnLst>
+      <p:par>
+        <p:cTn id="1" dur="indefinite" restart="never" nodeType="tmRoot"/>
+      </p:par>
+    </p:tnLst>
+  </p:timing>
+</p:sld>
+</file>
+
 <file path=ppt/slides/slide2.xml><?xml version="1.0" encoding="utf-8"?>
 <p:sld xmlns:a="http://schemas.openxmlformats.org/drawingml/2006/main" xmlns:r="http://schemas.openxmlformats.org/officeDocument/2006/relationships" xmlns:p="http://schemas.openxmlformats.org/presentationml/2006/main">
   <p:cSld>
@@ -3071,8 +3262,16 @@
           <a:lstStyle/>
           <a:p>
             <a:r>
+              <a:rPr lang="ru-RU" dirty="0" smtClean="0"/>
+              <a:t>Классическая формула а</a:t>
+            </a:r>
+            <a:r>
+              <a:rPr lang="ru-RU" dirty="0" smtClean="0"/>
+              <a:t>ппроксимация </a:t>
+            </a:r>
+            <a:r>
               <a:rPr lang="ru-RU" dirty="0"/>
-              <a:t>Аппроксимация функции </a:t>
+              <a:t>функции </a:t>
             </a:r>
             <a:r>
               <a:rPr lang="ru-RU" dirty="0" smtClean="0"/>
@@ -3747,8 +3946,8 @@
           </a:p>
         </p:txBody>
       </p:sp>
-      <mc:AlternateContent xmlns:mc="http://schemas.openxmlformats.org/markup-compatibility/2006">
-        <mc:Choice xmlns:a14="http://schemas.microsoft.com/office/drawing/2010/main" Requires="a14">
+      <mc:AlternateContent xmlns:mc="http://schemas.openxmlformats.org/markup-compatibility/2006" xmlns:a14="http://schemas.microsoft.com/office/drawing/2010/main">
+        <mc:Choice Requires="a14">
           <p:sp>
             <p:nvSpPr>
               <p:cNvPr id="3" name="Объект 2"/>
@@ -4508,7 +4707,7 @@
             </p:txBody>
           </p:sp>
         </mc:Choice>
-        <mc:Fallback>
+        <mc:Fallback xmlns="">
           <p:sp>
             <p:nvSpPr>
               <p:cNvPr id="3" name="Объект 2"/>
@@ -4582,120 +4781,801 @@
             <p:ph type="title"/>
           </p:nvPr>
         </p:nvSpPr>
-        <p:spPr/>
+        <p:spPr>
+          <a:xfrm>
+            <a:off x="838200" y="365125"/>
+            <a:ext cx="10515600" cy="1746308"/>
+          </a:xfrm>
+        </p:spPr>
         <p:txBody>
-          <a:bodyPr/>
+          <a:bodyPr>
+            <a:normAutofit fontScale="90000"/>
+          </a:bodyPr>
           <a:lstStyle/>
           <a:p>
             <a:r>
-              <a:rPr lang="en-US" dirty="0"/>
-              <a:t>history.txt</a:t>
+              <a:rPr lang="ru-RU" dirty="0"/>
+              <a:t>Скалярное произведение </a:t>
+            </a:r>
+            <a:r>
+              <a:rPr lang="ru-RU" dirty="0" smtClean="0"/>
+              <a:t>векторов вычисляется </a:t>
+            </a:r>
+            <a:r>
+              <a:rPr lang="ru-RU" dirty="0"/>
+              <a:t>с учётом квадратов дисперсий значений аргументов </a:t>
+            </a:r>
+            <a:r>
+              <a:rPr lang="en-US" dirty="0" err="1" smtClean="0"/>
+              <a:t>Dx</a:t>
             </a:r>
             <a:endParaRPr lang="ru-RU" dirty="0"/>
           </a:p>
         </p:txBody>
       </p:sp>
-      <p:sp>
-        <p:nvSpPr>
-          <p:cNvPr id="5" name="Объект 4"/>
-          <p:cNvSpPr>
-            <a:spLocks noGrp="1"/>
-          </p:cNvSpPr>
-          <p:nvPr>
-            <p:ph idx="1"/>
-          </p:nvPr>
-        </p:nvSpPr>
-        <p:spPr/>
-        <p:txBody>
-          <a:bodyPr/>
-          <a:lstStyle/>
-          <a:p>
-            <a:pPr marL="0" indent="0">
-              <a:buNone/>
-            </a:pPr>
-            <a:r>
-              <a:rPr lang="ru-RU" dirty="0"/>
-              <a:t>-1 -1 -</a:t>
-            </a:r>
-            <a:r>
-              <a:rPr lang="ru-RU" dirty="0" smtClean="0"/>
-              <a:t>10</a:t>
-            </a:r>
-            <a:endParaRPr lang="en-US" dirty="0" smtClean="0"/>
-          </a:p>
-          <a:p>
-            <a:pPr marL="0" indent="0">
-              <a:buNone/>
-            </a:pPr>
-            <a:r>
-              <a:rPr lang="ru-RU" dirty="0" smtClean="0"/>
-              <a:t>1 </a:t>
-            </a:r>
-            <a:r>
-              <a:rPr lang="ru-RU" dirty="0"/>
-              <a:t>1 </a:t>
-            </a:r>
-            <a:r>
-              <a:rPr lang="ru-RU" dirty="0" smtClean="0"/>
-              <a:t>10</a:t>
-            </a:r>
-            <a:endParaRPr lang="en-US" dirty="0" smtClean="0"/>
-          </a:p>
-          <a:p>
-            <a:pPr marL="0" indent="0">
-              <a:buNone/>
-            </a:pPr>
-            <a:r>
-              <a:rPr lang="ru-RU" dirty="0" smtClean="0"/>
-              <a:t>0 </a:t>
-            </a:r>
-            <a:r>
-              <a:rPr lang="ru-RU" dirty="0"/>
-              <a:t>0 </a:t>
-            </a:r>
-            <a:r>
-              <a:rPr lang="ru-RU" dirty="0" smtClean="0"/>
-              <a:t>0</a:t>
-            </a:r>
-            <a:endParaRPr lang="en-US" dirty="0" smtClean="0"/>
-          </a:p>
-          <a:p>
-            <a:pPr marL="0" indent="0">
-              <a:buNone/>
-            </a:pPr>
-            <a:r>
-              <a:rPr lang="ru-RU" dirty="0" smtClean="0"/>
-              <a:t>-</a:t>
-            </a:r>
-            <a:r>
-              <a:rPr lang="ru-RU" dirty="0"/>
-              <a:t>1 1 -</a:t>
-            </a:r>
-            <a:r>
-              <a:rPr lang="ru-RU" dirty="0" smtClean="0"/>
-              <a:t>8</a:t>
-            </a:r>
-            <a:endParaRPr lang="en-US" dirty="0" smtClean="0"/>
-          </a:p>
-          <a:p>
-            <a:pPr marL="0" indent="0">
-              <a:buNone/>
-            </a:pPr>
-            <a:r>
-              <a:rPr lang="ru-RU" dirty="0" smtClean="0"/>
-              <a:t>1 </a:t>
-            </a:r>
-            <a:r>
-              <a:rPr lang="ru-RU" dirty="0"/>
-              <a:t>-1 -20</a:t>
-            </a:r>
-          </a:p>
-        </p:txBody>
-      </p:sp>
+      <mc:AlternateContent xmlns:mc="http://schemas.openxmlformats.org/markup-compatibility/2006">
+        <mc:Choice xmlns:a14="http://schemas.microsoft.com/office/drawing/2010/main" Requires="a14">
+          <p:sp>
+            <p:nvSpPr>
+              <p:cNvPr id="3" name="Объект 2"/>
+              <p:cNvSpPr>
+                <a:spLocks noGrp="1"/>
+              </p:cNvSpPr>
+              <p:nvPr>
+                <p:ph idx="1"/>
+              </p:nvPr>
+            </p:nvSpPr>
+            <p:spPr>
+              <a:xfrm>
+                <a:off x="838200" y="2468879"/>
+                <a:ext cx="10515600" cy="3708083"/>
+              </a:xfrm>
+            </p:spPr>
+            <p:txBody>
+              <a:bodyPr>
+                <a:normAutofit fontScale="77500" lnSpcReduction="20000"/>
+              </a:bodyPr>
+              <a:lstStyle/>
+              <a:p>
+                <a:r>
+                  <a:rPr lang="ru-RU" b="0" dirty="0" smtClean="0"/>
+                  <a:t>Если </a:t>
+                </a:r>
+                <a14:m>
+                  <m:oMath xmlns:m="http://schemas.openxmlformats.org/officeDocument/2006/math">
+                    <m:acc>
+                      <m:accPr>
+                        <m:chr m:val="⃗"/>
+                        <m:ctrlPr>
+                          <a:rPr lang="en-US" b="0" i="1" smtClean="0">
+                            <a:latin typeface="Cambria Math" panose="02040503050406030204" pitchFamily="18" charset="0"/>
+                          </a:rPr>
+                        </m:ctrlPr>
+                      </m:accPr>
+                      <m:e>
+                        <m:sSub>
+                          <m:sSubPr>
+                            <m:ctrlPr>
+                              <a:rPr lang="en-US" i="1">
+                                <a:latin typeface="Cambria Math" panose="02040503050406030204" pitchFamily="18" charset="0"/>
+                              </a:rPr>
+                            </m:ctrlPr>
+                          </m:sSubPr>
+                          <m:e>
+                            <m:r>
+                              <a:rPr lang="en-US" i="1">
+                                <a:latin typeface="Cambria Math" panose="02040503050406030204" pitchFamily="18" charset="0"/>
+                              </a:rPr>
+                              <m:t>𝑥</m:t>
+                            </m:r>
+                          </m:e>
+                          <m:sub>
+                            <m:r>
+                              <a:rPr lang="en-US" i="1">
+                                <a:latin typeface="Cambria Math" panose="02040503050406030204" pitchFamily="18" charset="0"/>
+                              </a:rPr>
+                              <m:t>1</m:t>
+                            </m:r>
+                          </m:sub>
+                        </m:sSub>
+                      </m:e>
+                    </m:acc>
+                    <m:r>
+                      <a:rPr lang="en-US" b="0" i="1" smtClean="0">
+                        <a:latin typeface="Cambria Math" panose="02040503050406030204" pitchFamily="18" charset="0"/>
+                      </a:rPr>
+                      <m:t>,</m:t>
+                    </m:r>
+                    <m:acc>
+                      <m:accPr>
+                        <m:chr m:val="⃗"/>
+                        <m:ctrlPr>
+                          <a:rPr lang="en-US" i="1">
+                            <a:latin typeface="Cambria Math" panose="02040503050406030204" pitchFamily="18" charset="0"/>
+                          </a:rPr>
+                        </m:ctrlPr>
+                      </m:accPr>
+                      <m:e>
+                        <m:sSub>
+                          <m:sSubPr>
+                            <m:ctrlPr>
+                              <a:rPr lang="en-US" i="1">
+                                <a:latin typeface="Cambria Math" panose="02040503050406030204" pitchFamily="18" charset="0"/>
+                              </a:rPr>
+                            </m:ctrlPr>
+                          </m:sSubPr>
+                          <m:e>
+                            <m:r>
+                              <a:rPr lang="en-US" i="1">
+                                <a:latin typeface="Cambria Math" panose="02040503050406030204" pitchFamily="18" charset="0"/>
+                              </a:rPr>
+                              <m:t>𝑥</m:t>
+                            </m:r>
+                          </m:e>
+                          <m:sub>
+                            <m:r>
+                              <a:rPr lang="en-US" b="0" i="1" smtClean="0">
+                                <a:latin typeface="Cambria Math" panose="02040503050406030204" pitchFamily="18" charset="0"/>
+                              </a:rPr>
+                              <m:t>2</m:t>
+                            </m:r>
+                          </m:sub>
+                        </m:sSub>
+                      </m:e>
+                    </m:acc>
+                    <m:r>
+                      <a:rPr lang="en-US" b="0" i="1" smtClean="0">
+                        <a:latin typeface="Cambria Math" panose="02040503050406030204" pitchFamily="18" charset="0"/>
+                      </a:rPr>
+                      <m:t>,…,</m:t>
+                    </m:r>
+                    <m:acc>
+                      <m:accPr>
+                        <m:chr m:val="⃗"/>
+                        <m:ctrlPr>
+                          <a:rPr lang="en-US" i="1">
+                            <a:latin typeface="Cambria Math" panose="02040503050406030204" pitchFamily="18" charset="0"/>
+                          </a:rPr>
+                        </m:ctrlPr>
+                      </m:accPr>
+                      <m:e>
+                        <m:sSub>
+                          <m:sSubPr>
+                            <m:ctrlPr>
+                              <a:rPr lang="en-US" i="1">
+                                <a:latin typeface="Cambria Math" panose="02040503050406030204" pitchFamily="18" charset="0"/>
+                              </a:rPr>
+                            </m:ctrlPr>
+                          </m:sSubPr>
+                          <m:e>
+                            <m:r>
+                              <a:rPr lang="en-US" i="1">
+                                <a:latin typeface="Cambria Math" panose="02040503050406030204" pitchFamily="18" charset="0"/>
+                              </a:rPr>
+                              <m:t>𝑥</m:t>
+                            </m:r>
+                          </m:e>
+                          <m:sub>
+                            <m:r>
+                              <a:rPr lang="en-US" b="0" i="1" smtClean="0">
+                                <a:latin typeface="Cambria Math" panose="02040503050406030204" pitchFamily="18" charset="0"/>
+                              </a:rPr>
+                              <m:t>𝑁</m:t>
+                            </m:r>
+                          </m:sub>
+                        </m:sSub>
+                      </m:e>
+                    </m:acc>
+                  </m:oMath>
+                </a14:m>
+                <a:r>
+                  <a:rPr lang="ru-RU" dirty="0" smtClean="0"/>
+                  <a:t> - значения аргументов, для которых известно</a:t>
+                </a:r>
+                <a:endParaRPr lang="en-US" dirty="0" smtClean="0"/>
+              </a:p>
+              <a:p>
+                <a:pPr marL="0" indent="0" algn="ctr">
+                  <a:buNone/>
+                </a:pPr>
+                <a:r>
+                  <a:rPr lang="ru-RU" dirty="0" smtClean="0"/>
+                  <a:t> </a:t>
+                </a:r>
+                <a14:m>
+                  <m:oMath xmlns:m="http://schemas.openxmlformats.org/officeDocument/2006/math">
+                    <m:m>
+                      <m:mPr>
+                        <m:mcs>
+                          <m:mc>
+                            <m:mcPr>
+                              <m:count m:val="1"/>
+                              <m:mcJc m:val="center"/>
+                            </m:mcPr>
+                          </m:mc>
+                        </m:mcs>
+                        <m:ctrlPr>
+                          <a:rPr lang="ru-RU" i="1">
+                            <a:latin typeface="Cambria Math" panose="02040503050406030204" pitchFamily="18" charset="0"/>
+                          </a:rPr>
+                        </m:ctrlPr>
+                      </m:mPr>
+                      <m:mr>
+                        <m:e>
+                          <m:r>
+                            <m:rPr>
+                              <m:nor/>
+                            </m:rPr>
+                            <a:rPr lang="en-US" dirty="0"/>
+                            <m:t>f</m:t>
+                          </m:r>
+                          <m:r>
+                            <a:rPr lang="en-US" i="1" dirty="0">
+                              <a:latin typeface="Cambria Math" panose="02040503050406030204" pitchFamily="18" charset="0"/>
+                            </a:rPr>
+                            <m:t>(</m:t>
+                          </m:r>
+                          <m:acc>
+                            <m:accPr>
+                              <m:chr m:val="⃗"/>
+                              <m:ctrlPr>
+                                <a:rPr lang="en-US" i="1" dirty="0">
+                                  <a:latin typeface="Cambria Math" panose="02040503050406030204" pitchFamily="18" charset="0"/>
+                                </a:rPr>
+                              </m:ctrlPr>
+                            </m:accPr>
+                            <m:e>
+                              <m:sSub>
+                                <m:sSubPr>
+                                  <m:ctrlPr>
+                                    <a:rPr lang="en-US" i="1" dirty="0">
+                                      <a:latin typeface="Cambria Math" panose="02040503050406030204" pitchFamily="18" charset="0"/>
+                                    </a:rPr>
+                                  </m:ctrlPr>
+                                </m:sSubPr>
+                                <m:e>
+                                  <m:r>
+                                    <a:rPr lang="en-US" i="1" dirty="0">
+                                      <a:latin typeface="Cambria Math" panose="02040503050406030204" pitchFamily="18" charset="0"/>
+                                    </a:rPr>
+                                    <m:t>𝑥</m:t>
+                                  </m:r>
+                                </m:e>
+                                <m:sub>
+                                  <m:r>
+                                    <a:rPr lang="en-US" i="1" dirty="0">
+                                      <a:latin typeface="Cambria Math" panose="02040503050406030204" pitchFamily="18" charset="0"/>
+                                    </a:rPr>
+                                    <m:t>1</m:t>
+                                  </m:r>
+                                </m:sub>
+                              </m:sSub>
+                            </m:e>
+                          </m:acc>
+                          <m:r>
+                            <a:rPr lang="en-US" i="1" dirty="0">
+                              <a:latin typeface="Cambria Math" panose="02040503050406030204" pitchFamily="18" charset="0"/>
+                            </a:rPr>
+                            <m:t>) = </m:t>
+                          </m:r>
+                          <m:sSub>
+                            <m:sSubPr>
+                              <m:ctrlPr>
+                                <a:rPr lang="en-US" i="1" dirty="0">
+                                  <a:latin typeface="Cambria Math" panose="02040503050406030204" pitchFamily="18" charset="0"/>
+                                </a:rPr>
+                              </m:ctrlPr>
+                            </m:sSubPr>
+                            <m:e>
+                              <m:r>
+                                <a:rPr lang="en-US" i="1" dirty="0">
+                                  <a:latin typeface="Cambria Math" panose="02040503050406030204" pitchFamily="18" charset="0"/>
+                                </a:rPr>
+                                <m:t>𝑦</m:t>
+                              </m:r>
+                            </m:e>
+                            <m:sub>
+                              <m:r>
+                                <a:rPr lang="en-US" i="1" dirty="0">
+                                  <a:latin typeface="Cambria Math" panose="02040503050406030204" pitchFamily="18" charset="0"/>
+                                </a:rPr>
+                                <m:t>1</m:t>
+                              </m:r>
+                            </m:sub>
+                          </m:sSub>
+                        </m:e>
+                      </m:mr>
+                      <m:mr>
+                        <m:e>
+                          <m:r>
+                            <a:rPr lang="ru-RU" i="1">
+                              <a:latin typeface="Cambria Math" panose="02040503050406030204" pitchFamily="18" charset="0"/>
+                            </a:rPr>
+                            <m:t>⋮</m:t>
+                          </m:r>
+                        </m:e>
+                      </m:mr>
+                      <m:mr>
+                        <m:e>
+                          <m:r>
+                            <m:rPr>
+                              <m:nor/>
+                            </m:rPr>
+                            <a:rPr lang="en-US" dirty="0"/>
+                            <m:t>f</m:t>
+                          </m:r>
+                          <m:r>
+                            <a:rPr lang="en-US" i="1" dirty="0">
+                              <a:latin typeface="Cambria Math" panose="02040503050406030204" pitchFamily="18" charset="0"/>
+                            </a:rPr>
+                            <m:t>(</m:t>
+                          </m:r>
+                          <m:acc>
+                            <m:accPr>
+                              <m:chr m:val="⃗"/>
+                              <m:ctrlPr>
+                                <a:rPr lang="en-US" i="1" dirty="0">
+                                  <a:latin typeface="Cambria Math" panose="02040503050406030204" pitchFamily="18" charset="0"/>
+                                </a:rPr>
+                              </m:ctrlPr>
+                            </m:accPr>
+                            <m:e>
+                              <m:sSub>
+                                <m:sSubPr>
+                                  <m:ctrlPr>
+                                    <a:rPr lang="en-US" i="1" dirty="0">
+                                      <a:latin typeface="Cambria Math" panose="02040503050406030204" pitchFamily="18" charset="0"/>
+                                    </a:rPr>
+                                  </m:ctrlPr>
+                                </m:sSubPr>
+                                <m:e>
+                                  <m:r>
+                                    <a:rPr lang="en-US" i="1" dirty="0">
+                                      <a:latin typeface="Cambria Math" panose="02040503050406030204" pitchFamily="18" charset="0"/>
+                                    </a:rPr>
+                                    <m:t>𝑥</m:t>
+                                  </m:r>
+                                </m:e>
+                                <m:sub>
+                                  <m:r>
+                                    <a:rPr lang="en-US" b="0" i="1" dirty="0" smtClean="0">
+                                      <a:latin typeface="Cambria Math" panose="02040503050406030204" pitchFamily="18" charset="0"/>
+                                    </a:rPr>
+                                    <m:t>𝑁</m:t>
+                                  </m:r>
+                                </m:sub>
+                              </m:sSub>
+                            </m:e>
+                          </m:acc>
+                          <m:r>
+                            <a:rPr lang="en-US" i="1" dirty="0">
+                              <a:latin typeface="Cambria Math" panose="02040503050406030204" pitchFamily="18" charset="0"/>
+                            </a:rPr>
+                            <m:t>) = </m:t>
+                          </m:r>
+                          <m:sSub>
+                            <m:sSubPr>
+                              <m:ctrlPr>
+                                <a:rPr lang="en-US" i="1" dirty="0">
+                                  <a:latin typeface="Cambria Math" panose="02040503050406030204" pitchFamily="18" charset="0"/>
+                                </a:rPr>
+                              </m:ctrlPr>
+                            </m:sSubPr>
+                            <m:e>
+                              <m:r>
+                                <a:rPr lang="en-US" i="1" dirty="0">
+                                  <a:latin typeface="Cambria Math" panose="02040503050406030204" pitchFamily="18" charset="0"/>
+                                </a:rPr>
+                                <m:t>𝑦</m:t>
+                              </m:r>
+                            </m:e>
+                            <m:sub>
+                              <m:r>
+                                <a:rPr lang="en-US" b="0" i="1" dirty="0" smtClean="0">
+                                  <a:latin typeface="Cambria Math" panose="02040503050406030204" pitchFamily="18" charset="0"/>
+                                </a:rPr>
+                                <m:t>𝑁</m:t>
+                              </m:r>
+                            </m:sub>
+                          </m:sSub>
+                        </m:e>
+                      </m:mr>
+                    </m:m>
+                  </m:oMath>
+                </a14:m>
+                <a:r>
+                  <a:rPr lang="ru-RU" dirty="0" smtClean="0"/>
+                  <a:t> </a:t>
+                </a:r>
+                <a:endParaRPr lang="en-US" dirty="0" smtClean="0"/>
+              </a:p>
+              <a:p>
+                <a:pPr marL="0" indent="0" algn="ctr">
+                  <a:buNone/>
+                </a:pPr>
+                <a:endParaRPr lang="en-US" dirty="0" smtClean="0"/>
+              </a:p>
+              <a:p>
+                <a:r>
+                  <a:rPr lang="ru-RU" dirty="0" smtClean="0"/>
+                  <a:t>То с целью учета равнозначности каждой координаты аргумента вычисляем</a:t>
+                </a:r>
+              </a:p>
+              <a:p>
+                <a:pPr marL="0" indent="0" algn="ctr">
+                  <a:buNone/>
+                </a:pPr>
+                <a:r>
+                  <a:rPr lang="ru-RU" dirty="0" smtClean="0"/>
+                  <a:t>  </a:t>
+                </a:r>
+                <a14:m>
+                  <m:oMath xmlns:m="http://schemas.openxmlformats.org/officeDocument/2006/math">
+                    <m:r>
+                      <a:rPr lang="en-US" b="0" i="1" dirty="0" smtClean="0">
+                        <a:latin typeface="Cambria Math" panose="02040503050406030204" pitchFamily="18" charset="0"/>
+                      </a:rPr>
+                      <m:t>𝐷𝑥</m:t>
+                    </m:r>
+                    <m:d>
+                      <m:dPr>
+                        <m:begChr m:val="["/>
+                        <m:endChr m:val="]"/>
+                        <m:ctrlPr>
+                          <a:rPr lang="en-US" b="0" i="1" dirty="0" smtClean="0">
+                            <a:latin typeface="Cambria Math" panose="02040503050406030204" pitchFamily="18" charset="0"/>
+                          </a:rPr>
+                        </m:ctrlPr>
+                      </m:dPr>
+                      <m:e>
+                        <m:r>
+                          <a:rPr lang="en-US" b="0" i="1" dirty="0" smtClean="0">
+                            <a:latin typeface="Cambria Math" panose="02040503050406030204" pitchFamily="18" charset="0"/>
+                          </a:rPr>
+                          <m:t>𝑘</m:t>
+                        </m:r>
+                      </m:e>
+                    </m:d>
+                    <m:r>
+                      <a:rPr lang="en-US" b="0" i="1" dirty="0" smtClean="0">
+                        <a:latin typeface="Cambria Math" panose="02040503050406030204" pitchFamily="18" charset="0"/>
+                      </a:rPr>
+                      <m:t>=</m:t>
+                    </m:r>
+                    <m:r>
+                      <a:rPr lang="en-US" b="0" i="1" dirty="0" smtClean="0">
+                        <a:latin typeface="Cambria Math" panose="02040503050406030204" pitchFamily="18" charset="0"/>
+                      </a:rPr>
+                      <m:t>𝑀</m:t>
+                    </m:r>
+                    <m:r>
+                      <a:rPr lang="en-US" b="0" i="1" dirty="0" smtClean="0">
+                        <a:latin typeface="Cambria Math" panose="02040503050406030204" pitchFamily="18" charset="0"/>
+                      </a:rPr>
+                      <m:t>2</m:t>
+                    </m:r>
+                    <m:d>
+                      <m:dPr>
+                        <m:begChr m:val="["/>
+                        <m:endChr m:val="]"/>
+                        <m:ctrlPr>
+                          <a:rPr lang="en-US" b="0" i="1" dirty="0" smtClean="0">
+                            <a:latin typeface="Cambria Math" panose="02040503050406030204" pitchFamily="18" charset="0"/>
+                          </a:rPr>
+                        </m:ctrlPr>
+                      </m:dPr>
+                      <m:e>
+                        <m:r>
+                          <a:rPr lang="en-US" b="0" i="1" dirty="0" smtClean="0">
+                            <a:latin typeface="Cambria Math" panose="02040503050406030204" pitchFamily="18" charset="0"/>
+                          </a:rPr>
+                          <m:t>𝑘</m:t>
+                        </m:r>
+                      </m:e>
+                    </m:d>
+                    <m:r>
+                      <a:rPr lang="en-US" b="0" i="1" dirty="0" smtClean="0">
+                        <a:latin typeface="Cambria Math" panose="02040503050406030204" pitchFamily="18" charset="0"/>
+                      </a:rPr>
+                      <m:t>−</m:t>
+                    </m:r>
+                    <m:r>
+                      <a:rPr lang="en-US" b="0" i="1" dirty="0" smtClean="0">
+                        <a:latin typeface="Cambria Math" panose="02040503050406030204" pitchFamily="18" charset="0"/>
+                      </a:rPr>
+                      <m:t>𝑀</m:t>
+                    </m:r>
+                    <m:r>
+                      <a:rPr lang="en-US" b="0" i="1" dirty="0" smtClean="0">
+                        <a:latin typeface="Cambria Math" panose="02040503050406030204" pitchFamily="18" charset="0"/>
+                      </a:rPr>
+                      <m:t>1</m:t>
+                    </m:r>
+                    <m:d>
+                      <m:dPr>
+                        <m:begChr m:val="["/>
+                        <m:endChr m:val="]"/>
+                        <m:ctrlPr>
+                          <a:rPr lang="en-US" b="0" i="1" dirty="0" smtClean="0">
+                            <a:latin typeface="Cambria Math" panose="02040503050406030204" pitchFamily="18" charset="0"/>
+                          </a:rPr>
+                        </m:ctrlPr>
+                      </m:dPr>
+                      <m:e>
+                        <m:r>
+                          <a:rPr lang="en-US" b="0" i="1" dirty="0" smtClean="0">
+                            <a:latin typeface="Cambria Math" panose="02040503050406030204" pitchFamily="18" charset="0"/>
+                          </a:rPr>
+                          <m:t>𝑘</m:t>
+                        </m:r>
+                      </m:e>
+                    </m:d>
+                    <m:r>
+                      <a:rPr lang="en-US" b="0" i="1" dirty="0" smtClean="0">
+                        <a:latin typeface="Cambria Math" panose="02040503050406030204" pitchFamily="18" charset="0"/>
+                      </a:rPr>
+                      <m:t>∗</m:t>
+                    </m:r>
+                    <m:r>
+                      <a:rPr lang="en-US" b="0" i="1" dirty="0" smtClean="0">
+                        <a:latin typeface="Cambria Math" panose="02040503050406030204" pitchFamily="18" charset="0"/>
+                      </a:rPr>
+                      <m:t>𝑀</m:t>
+                    </m:r>
+                    <m:r>
+                      <a:rPr lang="en-US" b="0" i="1" dirty="0" smtClean="0">
+                        <a:latin typeface="Cambria Math" panose="02040503050406030204" pitchFamily="18" charset="0"/>
+                      </a:rPr>
+                      <m:t>1[</m:t>
+                    </m:r>
+                    <m:r>
+                      <a:rPr lang="en-US" b="0" i="1" dirty="0" smtClean="0">
+                        <a:latin typeface="Cambria Math" panose="02040503050406030204" pitchFamily="18" charset="0"/>
+                      </a:rPr>
+                      <m:t>𝑘</m:t>
+                    </m:r>
+                    <m:r>
+                      <a:rPr lang="en-US" b="0" i="1" dirty="0" smtClean="0">
+                        <a:latin typeface="Cambria Math" panose="02040503050406030204" pitchFamily="18" charset="0"/>
+                      </a:rPr>
+                      <m:t>]</m:t>
+                    </m:r>
+                  </m:oMath>
+                </a14:m>
+                <a:endParaRPr lang="ru-RU" dirty="0" smtClean="0"/>
+              </a:p>
+              <a:p>
+                <a:r>
+                  <a:rPr lang="ru-RU" dirty="0" smtClean="0"/>
+                  <a:t>И определяем скалярное произведение</a:t>
+                </a:r>
+                <a:endParaRPr lang="en-US" dirty="0" smtClean="0"/>
+              </a:p>
+              <a:p>
+                <a:pPr marL="0" indent="0" algn="ctr">
+                  <a:buNone/>
+                </a:pPr>
+                <a14:m>
+                  <m:oMathPara xmlns:m="http://schemas.openxmlformats.org/officeDocument/2006/math">
+                    <m:oMathParaPr>
+                      <m:jc m:val="centerGroup"/>
+                    </m:oMathParaPr>
+                    <m:oMath xmlns:m="http://schemas.openxmlformats.org/officeDocument/2006/math">
+                      <m:sSub>
+                        <m:sSubPr>
+                          <m:ctrlPr>
+                            <a:rPr lang="en-US" b="0" i="1" smtClean="0">
+                              <a:latin typeface="Cambria Math" panose="02040503050406030204" pitchFamily="18" charset="0"/>
+                            </a:rPr>
+                          </m:ctrlPr>
+                        </m:sSubPr>
+                        <m:e>
+                          <m:r>
+                            <a:rPr lang="en-US" i="1">
+                              <a:latin typeface="Cambria Math" panose="02040503050406030204" pitchFamily="18" charset="0"/>
+                            </a:rPr>
+                            <m:t>&lt;</m:t>
+                          </m:r>
+                          <m:r>
+                            <a:rPr lang="en-US" i="1">
+                              <a:latin typeface="Cambria Math" panose="02040503050406030204" pitchFamily="18" charset="0"/>
+                            </a:rPr>
+                            <m:t>𝐴</m:t>
+                          </m:r>
+                          <m:r>
+                            <a:rPr lang="en-US" i="1">
+                              <a:latin typeface="Cambria Math" panose="02040503050406030204" pitchFamily="18" charset="0"/>
+                            </a:rPr>
+                            <m:t> ;</m:t>
+                          </m:r>
+                          <m:r>
+                            <a:rPr lang="en-US" i="1">
+                              <a:latin typeface="Cambria Math" panose="02040503050406030204" pitchFamily="18" charset="0"/>
+                            </a:rPr>
+                            <m:t>𝐵</m:t>
+                          </m:r>
+                          <m:r>
+                            <a:rPr lang="en-US" i="1">
+                              <a:latin typeface="Cambria Math" panose="02040503050406030204" pitchFamily="18" charset="0"/>
+                            </a:rPr>
+                            <m:t>&gt;</m:t>
+                          </m:r>
+                          <m:r>
+                            <m:rPr>
+                              <m:nor/>
+                            </m:rPr>
+                            <a:rPr lang="ru-RU" dirty="0"/>
+                            <m:t> </m:t>
+                          </m:r>
+                        </m:e>
+                        <m:sub>
+                          <m:r>
+                            <a:rPr lang="en-US" b="0" i="1" smtClean="0">
+                              <a:latin typeface="Cambria Math" panose="02040503050406030204" pitchFamily="18" charset="0"/>
+                            </a:rPr>
+                            <m:t>𝐷𝑥</m:t>
+                          </m:r>
+                        </m:sub>
+                      </m:sSub>
+                      <m:r>
+                        <a:rPr lang="en-US" b="0" i="1" smtClean="0">
+                          <a:latin typeface="Cambria Math" panose="02040503050406030204" pitchFamily="18" charset="0"/>
+                        </a:rPr>
+                        <m:t>=</m:t>
+                      </m:r>
+                      <m:nary>
+                        <m:naryPr>
+                          <m:chr m:val="∑"/>
+                          <m:ctrlPr>
+                            <a:rPr lang="en-US" b="0" i="1" smtClean="0">
+                              <a:latin typeface="Cambria Math" panose="02040503050406030204" pitchFamily="18" charset="0"/>
+                            </a:rPr>
+                          </m:ctrlPr>
+                        </m:naryPr>
+                        <m:sub>
+                          <m:r>
+                            <m:rPr>
+                              <m:brk m:alnAt="23"/>
+                            </m:rPr>
+                            <a:rPr lang="en-US" b="0" i="1" smtClean="0">
+                              <a:latin typeface="Cambria Math" panose="02040503050406030204" pitchFamily="18" charset="0"/>
+                            </a:rPr>
+                            <m:t>𝑘</m:t>
+                          </m:r>
+                        </m:sub>
+                        <m:sup/>
+                        <m:e>
+                          <m:r>
+                            <a:rPr lang="en-US" b="0" i="1" smtClean="0">
+                              <a:latin typeface="Cambria Math" panose="02040503050406030204" pitchFamily="18" charset="0"/>
+                            </a:rPr>
+                            <m:t>𝐴</m:t>
+                          </m:r>
+                          <m:d>
+                            <m:dPr>
+                              <m:begChr m:val="["/>
+                              <m:endChr m:val="]"/>
+                              <m:ctrlPr>
+                                <a:rPr lang="en-US" b="0" i="1" smtClean="0">
+                                  <a:latin typeface="Cambria Math" panose="02040503050406030204" pitchFamily="18" charset="0"/>
+                                </a:rPr>
+                              </m:ctrlPr>
+                            </m:dPr>
+                            <m:e>
+                              <m:r>
+                                <a:rPr lang="en-US" b="0" i="1" smtClean="0">
+                                  <a:latin typeface="Cambria Math" panose="02040503050406030204" pitchFamily="18" charset="0"/>
+                                </a:rPr>
+                                <m:t>𝑘</m:t>
+                              </m:r>
+                            </m:e>
+                          </m:d>
+                          <m:r>
+                            <a:rPr lang="en-US" b="0" i="1" smtClean="0">
+                              <a:latin typeface="Cambria Math" panose="02040503050406030204" pitchFamily="18" charset="0"/>
+                            </a:rPr>
+                            <m:t>∗</m:t>
+                          </m:r>
+                          <m:r>
+                            <a:rPr lang="en-US" b="0" i="1" smtClean="0">
+                              <a:latin typeface="Cambria Math" panose="02040503050406030204" pitchFamily="18" charset="0"/>
+                            </a:rPr>
+                            <m:t>𝐵</m:t>
+                          </m:r>
+                          <m:r>
+                            <a:rPr lang="en-US" b="0" i="1" smtClean="0">
+                              <a:latin typeface="Cambria Math" panose="02040503050406030204" pitchFamily="18" charset="0"/>
+                            </a:rPr>
+                            <m:t>[</m:t>
+                          </m:r>
+                          <m:r>
+                            <a:rPr lang="en-US" b="0" i="1" smtClean="0">
+                              <a:latin typeface="Cambria Math" panose="02040503050406030204" pitchFamily="18" charset="0"/>
+                            </a:rPr>
+                            <m:t>𝑘</m:t>
+                          </m:r>
+                          <m:r>
+                            <a:rPr lang="en-US" b="0" i="1" smtClean="0">
+                              <a:latin typeface="Cambria Math" panose="02040503050406030204" pitchFamily="18" charset="0"/>
+                            </a:rPr>
+                            <m:t>]/</m:t>
+                          </m:r>
+                          <m:r>
+                            <a:rPr lang="en-US" b="0" i="1" smtClean="0">
+                              <a:latin typeface="Cambria Math" panose="02040503050406030204" pitchFamily="18" charset="0"/>
+                            </a:rPr>
+                            <m:t>𝐷𝑥</m:t>
+                          </m:r>
+                          <m:r>
+                            <a:rPr lang="en-US" b="0" i="1" smtClean="0">
+                              <a:latin typeface="Cambria Math" panose="02040503050406030204" pitchFamily="18" charset="0"/>
+                            </a:rPr>
+                            <m:t>[</m:t>
+                          </m:r>
+                          <m:r>
+                            <a:rPr lang="en-US" b="0" i="1" smtClean="0">
+                              <a:latin typeface="Cambria Math" panose="02040503050406030204" pitchFamily="18" charset="0"/>
+                            </a:rPr>
+                            <m:t>𝑘</m:t>
+                          </m:r>
+                          <m:r>
+                            <a:rPr lang="en-US" b="0" i="1" smtClean="0">
+                              <a:latin typeface="Cambria Math" panose="02040503050406030204" pitchFamily="18" charset="0"/>
+                            </a:rPr>
+                            <m:t>]</m:t>
+                          </m:r>
+                        </m:e>
+                      </m:nary>
+                    </m:oMath>
+                  </m:oMathPara>
+                </a14:m>
+                <a:endParaRPr lang="ru-RU" dirty="0"/>
+              </a:p>
+            </p:txBody>
+          </p:sp>
+        </mc:Choice>
+        <mc:Fallback>
+          <p:sp>
+            <p:nvSpPr>
+              <p:cNvPr id="3" name="Объект 2"/>
+              <p:cNvSpPr>
+                <a:spLocks noGrp="1" noRot="1" noChangeAspect="1" noMove="1" noResize="1" noEditPoints="1" noAdjustHandles="1" noChangeArrowheads="1" noChangeShapeType="1" noTextEdit="1"/>
+              </p:cNvSpPr>
+              <p:nvPr>
+                <p:ph idx="1"/>
+              </p:nvPr>
+            </p:nvSpPr>
+            <p:spPr>
+              <a:xfrm>
+                <a:off x="838200" y="2468879"/>
+                <a:ext cx="10515600" cy="3708083"/>
+              </a:xfrm>
+              <a:blipFill rotWithShape="0">
+                <a:blip r:embed="rId2"/>
+                <a:stretch>
+                  <a:fillRect l="-696" t="-3454"/>
+                </a:stretch>
+              </a:blipFill>
+            </p:spPr>
+            <p:txBody>
+              <a:bodyPr/>
+              <a:lstStyle/>
+              <a:p>
+                <a:r>
+                  <a:rPr lang="ru-RU">
+                    <a:noFill/>
+                  </a:rPr>
+                  <a:t> </a:t>
+                </a:r>
+              </a:p>
+            </p:txBody>
+          </p:sp>
+        </mc:Fallback>
+      </mc:AlternateContent>
     </p:spTree>
     <p:extLst>
       <p:ext uri="{BB962C8B-B14F-4D97-AF65-F5344CB8AC3E}">
-        <p14:creationId xmlns:p14="http://schemas.microsoft.com/office/powerpoint/2010/main" val="2986159834"/>
+        <p14:creationId xmlns:p14="http://schemas.microsoft.com/office/powerpoint/2010/main" val="3008172447"/>
       </p:ext>
     </p:extLst>
   </p:cSld>
@@ -4734,14 +5614,4139 @@
         </p:nvSpPr>
         <p:spPr/>
         <p:txBody>
-          <a:bodyPr>
-            <a:normAutofit/>
+          <a:bodyPr/>
+          <a:lstStyle/>
+          <a:p>
+            <a:r>
+              <a:rPr lang="ru-RU" dirty="0"/>
+              <a:t>Алгоритм</a:t>
+            </a:r>
+          </a:p>
+        </p:txBody>
+      </p:sp>
+      <p:sp>
+        <p:nvSpPr>
+          <p:cNvPr id="3" name="Объект 2"/>
+          <p:cNvSpPr>
+            <a:spLocks noGrp="1"/>
+          </p:cNvSpPr>
+          <p:nvPr>
+            <p:ph idx="1"/>
+          </p:nvPr>
+        </p:nvSpPr>
+        <p:spPr/>
+        <p:txBody>
+          <a:bodyPr/>
+          <a:lstStyle/>
+          <a:p>
+            <a:pPr marL="514350" indent="-514350">
+              <a:buFont typeface="+mj-lt"/>
+              <a:buAutoNum type="arabicPeriod"/>
+            </a:pPr>
+            <a:r>
+              <a:rPr lang="ru-RU" dirty="0" smtClean="0"/>
+              <a:t>Для </a:t>
+            </a:r>
+            <a:r>
+              <a:rPr lang="ru-RU" dirty="0"/>
+              <a:t>заданных векторов </a:t>
+            </a:r>
+            <a:r>
+              <a:rPr lang="ru-RU" dirty="0" err="1"/>
+              <a:t>Xi</a:t>
+            </a:r>
+            <a:r>
+              <a:rPr lang="ru-RU" dirty="0"/>
+              <a:t> рассчитываем вектор </a:t>
+            </a:r>
+            <a:r>
+              <a:rPr lang="ru-RU" dirty="0" err="1"/>
+              <a:t>Dx</a:t>
+            </a:r>
+            <a:r>
+              <a:rPr lang="ru-RU" dirty="0"/>
+              <a:t> квадратов дисперсий значений </a:t>
+            </a:r>
+            <a:r>
+              <a:rPr lang="ru-RU" dirty="0" smtClean="0"/>
+              <a:t>аргументов</a:t>
+            </a:r>
+            <a:endParaRPr lang="en-US" dirty="0" smtClean="0"/>
+          </a:p>
+          <a:p>
+            <a:pPr marL="514350" indent="-514350">
+              <a:buFont typeface="+mj-lt"/>
+              <a:buAutoNum type="arabicPeriod"/>
+            </a:pPr>
+            <a:r>
+              <a:rPr lang="ru-RU" dirty="0" smtClean="0"/>
+              <a:t>Для </a:t>
+            </a:r>
+            <a:r>
+              <a:rPr lang="ru-RU" dirty="0"/>
+              <a:t>вектора X находим p ближайших точек X1,...,</a:t>
+            </a:r>
+            <a:r>
+              <a:rPr lang="ru-RU" dirty="0" err="1"/>
+              <a:t>Xp</a:t>
+            </a:r>
+            <a:r>
+              <a:rPr lang="ru-RU" dirty="0"/>
+              <a:t> , где расстояния между точками вычисляется с учётом квадратов дисперсий значений </a:t>
+            </a:r>
+            <a:r>
+              <a:rPr lang="ru-RU" dirty="0" smtClean="0"/>
+              <a:t>аргументов</a:t>
+            </a:r>
+            <a:r>
+              <a:rPr lang="en-US" dirty="0" smtClean="0"/>
+              <a:t> </a:t>
+            </a:r>
+            <a:r>
+              <a:rPr lang="en-US" dirty="0" err="1" smtClean="0"/>
+              <a:t>Dx</a:t>
+            </a:r>
+            <a:endParaRPr lang="en-US" dirty="0" smtClean="0"/>
+          </a:p>
+          <a:p>
+            <a:pPr marL="514350" indent="-514350">
+              <a:buFont typeface="+mj-lt"/>
+              <a:buAutoNum type="arabicPeriod"/>
+            </a:pPr>
+            <a:r>
+              <a:rPr lang="ru-RU" dirty="0" smtClean="0"/>
+              <a:t>Вычисляем </a:t>
+            </a:r>
+            <a:r>
+              <a:rPr lang="ru-RU" dirty="0"/>
+              <a:t>значение полинома P(X) = SUM </a:t>
+            </a:r>
+            <a:r>
+              <a:rPr lang="ru-RU" dirty="0" err="1"/>
+              <a:t>Yi</a:t>
+            </a:r>
+            <a:r>
+              <a:rPr lang="ru-RU" dirty="0"/>
+              <a:t>*П &lt; X-</a:t>
+            </a:r>
+            <a:r>
+              <a:rPr lang="ru-RU" dirty="0" err="1"/>
+              <a:t>Xj</a:t>
+            </a:r>
+            <a:r>
+              <a:rPr lang="ru-RU" dirty="0"/>
+              <a:t> , </a:t>
+            </a:r>
+            <a:r>
+              <a:rPr lang="ru-RU" dirty="0" err="1"/>
+              <a:t>Xi-Xj</a:t>
+            </a:r>
+            <a:r>
+              <a:rPr lang="ru-RU" dirty="0"/>
+              <a:t> &gt; / &lt; </a:t>
+            </a:r>
+            <a:r>
+              <a:rPr lang="ru-RU" dirty="0" err="1"/>
+              <a:t>Xi-Xj</a:t>
+            </a:r>
+            <a:r>
+              <a:rPr lang="ru-RU" dirty="0"/>
+              <a:t> , </a:t>
+            </a:r>
+            <a:r>
+              <a:rPr lang="ru-RU" dirty="0" err="1"/>
+              <a:t>Xi-Xj</a:t>
+            </a:r>
+            <a:r>
+              <a:rPr lang="ru-RU" dirty="0"/>
+              <a:t> &gt; , где скалярное произведение вычисляется с учётом квадратов дисперсий значений </a:t>
+            </a:r>
+            <a:r>
+              <a:rPr lang="ru-RU" dirty="0" smtClean="0"/>
+              <a:t>аргументов</a:t>
+            </a:r>
+            <a:r>
+              <a:rPr lang="en-US" dirty="0" smtClean="0"/>
+              <a:t> </a:t>
+            </a:r>
+            <a:r>
+              <a:rPr lang="en-US" dirty="0" err="1" smtClean="0"/>
+              <a:t>Dx</a:t>
+            </a:r>
+            <a:r>
+              <a:rPr lang="ru-RU" dirty="0" smtClean="0"/>
+              <a:t> </a:t>
+            </a:r>
+            <a:endParaRPr lang="ru-RU" dirty="0"/>
+          </a:p>
+        </p:txBody>
+      </p:sp>
+    </p:spTree>
+    <p:extLst>
+      <p:ext uri="{BB962C8B-B14F-4D97-AF65-F5344CB8AC3E}">
+        <p14:creationId xmlns:p14="http://schemas.microsoft.com/office/powerpoint/2010/main" val="447396410"/>
+      </p:ext>
+    </p:extLst>
+  </p:cSld>
+  <p:clrMapOvr>
+    <a:masterClrMapping/>
+  </p:clrMapOvr>
+</p:sld>
+</file>
+
+<file path=ppt/slides/slide6.xml><?xml version="1.0" encoding="utf-8"?>
+<p:sld xmlns:a="http://schemas.openxmlformats.org/drawingml/2006/main" xmlns:r="http://schemas.openxmlformats.org/officeDocument/2006/relationships" xmlns:p="http://schemas.openxmlformats.org/presentationml/2006/main">
+  <p:cSld>
+    <p:spTree>
+      <p:nvGrpSpPr>
+        <p:cNvPr id="1" name=""/>
+        <p:cNvGrpSpPr/>
+        <p:nvPr/>
+      </p:nvGrpSpPr>
+      <p:grpSpPr>
+        <a:xfrm>
+          <a:off x="0" y="0"/>
+          <a:ext cx="0" cy="0"/>
+          <a:chOff x="0" y="0"/>
+          <a:chExt cx="0" cy="0"/>
+        </a:xfrm>
+      </p:grpSpPr>
+      <p:sp>
+        <p:nvSpPr>
+          <p:cNvPr id="2" name="Заголовок 1"/>
+          <p:cNvSpPr>
+            <a:spLocks noGrp="1"/>
+          </p:cNvSpPr>
+          <p:nvPr>
+            <p:ph type="title"/>
+          </p:nvPr>
+        </p:nvSpPr>
+        <p:spPr/>
+        <p:txBody>
+          <a:bodyPr/>
+          <a:lstStyle/>
+          <a:p>
+            <a:r>
+              <a:rPr lang="ru-RU" dirty="0" smtClean="0"/>
+              <a:t>Программный код</a:t>
+            </a:r>
+            <a:r>
+              <a:rPr lang="en-US" dirty="0" smtClean="0"/>
+              <a:t> C++</a:t>
+            </a:r>
+            <a:endParaRPr lang="ru-RU" dirty="0"/>
+          </a:p>
+        </p:txBody>
+      </p:sp>
+      <p:sp>
+        <p:nvSpPr>
+          <p:cNvPr id="3" name="Объект 2"/>
+          <p:cNvSpPr>
+            <a:spLocks noGrp="1"/>
+          </p:cNvSpPr>
+          <p:nvPr>
+            <p:ph idx="1"/>
+          </p:nvPr>
+        </p:nvSpPr>
+        <p:spPr/>
+        <p:txBody>
+          <a:bodyPr numCol="3">
+            <a:normAutofit lnSpcReduction="10000"/>
           </a:bodyPr>
           <a:lstStyle/>
           <a:p>
+            <a:pPr marL="0" indent="0">
+              <a:buNone/>
+            </a:pPr>
+            <a:r>
+              <a:rPr lang="ru-RU" sz="800" dirty="0"/>
+              <a:t>// predict.cpp: определяет точку входа для консольного приложения.</a:t>
+            </a:r>
+          </a:p>
+          <a:p>
+            <a:pPr marL="0" indent="0">
+              <a:lnSpc>
+                <a:spcPct val="70000"/>
+              </a:lnSpc>
+              <a:spcBef>
+                <a:spcPts val="0"/>
+              </a:spcBef>
+              <a:buNone/>
+            </a:pPr>
+            <a:r>
+              <a:rPr lang="ru-RU" sz="800" dirty="0"/>
+              <a:t>//</a:t>
+            </a:r>
+          </a:p>
+          <a:p>
+            <a:pPr marL="0" indent="0">
+              <a:lnSpc>
+                <a:spcPct val="70000"/>
+              </a:lnSpc>
+              <a:spcBef>
+                <a:spcPts val="0"/>
+              </a:spcBef>
+              <a:buNone/>
+            </a:pPr>
+            <a:endParaRPr lang="ru-RU" sz="800" dirty="0"/>
+          </a:p>
+          <a:p>
+            <a:pPr marL="0" indent="0">
+              <a:lnSpc>
+                <a:spcPct val="70000"/>
+              </a:lnSpc>
+              <a:spcBef>
+                <a:spcPts val="0"/>
+              </a:spcBef>
+              <a:buNone/>
+            </a:pPr>
+            <a:r>
+              <a:rPr lang="en-US" sz="800" dirty="0"/>
+              <a:t>#include "</a:t>
+            </a:r>
+            <a:r>
+              <a:rPr lang="en-US" sz="800" dirty="0" err="1"/>
+              <a:t>stdafx.h</a:t>
+            </a:r>
+            <a:r>
+              <a:rPr lang="en-US" sz="800" dirty="0"/>
+              <a:t>"</a:t>
+            </a:r>
+          </a:p>
+          <a:p>
+            <a:pPr marL="0" indent="0">
+              <a:lnSpc>
+                <a:spcPct val="70000"/>
+              </a:lnSpc>
+              <a:spcBef>
+                <a:spcPts val="0"/>
+              </a:spcBef>
+              <a:buNone/>
+            </a:pPr>
+            <a:endParaRPr lang="ru-RU" sz="800" dirty="0"/>
+          </a:p>
+          <a:p>
+            <a:pPr marL="0" indent="0">
+              <a:lnSpc>
+                <a:spcPct val="70000"/>
+              </a:lnSpc>
+              <a:spcBef>
+                <a:spcPts val="0"/>
+              </a:spcBef>
+              <a:buNone/>
+            </a:pPr>
+            <a:r>
+              <a:rPr lang="en-US" sz="800" dirty="0" err="1"/>
+              <a:t>struct</a:t>
+            </a:r>
+            <a:r>
+              <a:rPr lang="en-US" sz="800" dirty="0"/>
+              <a:t> </a:t>
+            </a:r>
+            <a:r>
+              <a:rPr lang="en-US" sz="800" dirty="0" err="1"/>
+              <a:t>t_previous_result</a:t>
+            </a:r>
+            <a:endParaRPr lang="en-US" sz="800" dirty="0"/>
+          </a:p>
+          <a:p>
+            <a:pPr marL="0" indent="0">
+              <a:lnSpc>
+                <a:spcPct val="70000"/>
+              </a:lnSpc>
+              <a:spcBef>
+                <a:spcPts val="0"/>
+              </a:spcBef>
+              <a:buNone/>
+            </a:pPr>
+            <a:r>
+              <a:rPr lang="ru-RU" sz="800" dirty="0"/>
+              <a:t>{</a:t>
+            </a:r>
+          </a:p>
+          <a:p>
+            <a:pPr marL="0" indent="0">
+              <a:lnSpc>
+                <a:spcPct val="70000"/>
+              </a:lnSpc>
+              <a:spcBef>
+                <a:spcPts val="0"/>
+              </a:spcBef>
+              <a:buNone/>
+            </a:pPr>
+            <a:r>
+              <a:rPr lang="en-US" sz="800" dirty="0" err="1"/>
+              <a:t>std</a:t>
+            </a:r>
+            <a:r>
+              <a:rPr lang="en-US" sz="800" dirty="0"/>
+              <a:t>::vector&lt;double&gt; x;</a:t>
+            </a:r>
+          </a:p>
+          <a:p>
+            <a:pPr marL="0" indent="0">
+              <a:lnSpc>
+                <a:spcPct val="70000"/>
+              </a:lnSpc>
+              <a:spcBef>
+                <a:spcPts val="0"/>
+              </a:spcBef>
+              <a:buNone/>
+            </a:pPr>
+            <a:r>
+              <a:rPr lang="en-US" sz="800" dirty="0"/>
+              <a:t>double y;</a:t>
+            </a:r>
+          </a:p>
+          <a:p>
+            <a:pPr marL="0" indent="0">
+              <a:lnSpc>
+                <a:spcPct val="70000"/>
+              </a:lnSpc>
+              <a:spcBef>
+                <a:spcPts val="0"/>
+              </a:spcBef>
+              <a:buNone/>
+            </a:pPr>
+            <a:r>
+              <a:rPr lang="ru-RU" sz="800" dirty="0"/>
+              <a:t>};</a:t>
+            </a:r>
+          </a:p>
+          <a:p>
+            <a:pPr marL="0" indent="0">
+              <a:lnSpc>
+                <a:spcPct val="70000"/>
+              </a:lnSpc>
+              <a:spcBef>
+                <a:spcPts val="0"/>
+              </a:spcBef>
+              <a:buNone/>
+            </a:pPr>
+            <a:endParaRPr lang="ru-RU" sz="800" dirty="0"/>
+          </a:p>
+          <a:p>
+            <a:pPr marL="0" indent="0">
+              <a:lnSpc>
+                <a:spcPct val="70000"/>
+              </a:lnSpc>
+              <a:spcBef>
+                <a:spcPts val="0"/>
+              </a:spcBef>
+              <a:buNone/>
+            </a:pPr>
+            <a:r>
+              <a:rPr lang="ru-RU" sz="800" dirty="0"/>
+              <a:t>/////////////////////////////////////////////////////////</a:t>
+            </a:r>
+          </a:p>
+          <a:p>
+            <a:pPr marL="0" indent="0">
+              <a:lnSpc>
+                <a:spcPct val="70000"/>
+              </a:lnSpc>
+              <a:spcBef>
+                <a:spcPts val="0"/>
+              </a:spcBef>
+              <a:buNone/>
+            </a:pPr>
+            <a:r>
+              <a:rPr lang="ru-RU" sz="800" dirty="0"/>
+              <a:t>// Вычисление квадрата </a:t>
+            </a:r>
+            <a:r>
+              <a:rPr lang="ru-RU" sz="800" dirty="0" err="1"/>
+              <a:t>растояния</a:t>
+            </a:r>
+            <a:r>
+              <a:rPr lang="ru-RU" sz="800" dirty="0"/>
+              <a:t> между двумя векторами координат</a:t>
+            </a:r>
+          </a:p>
+          <a:p>
+            <a:pPr marL="0" indent="0">
+              <a:lnSpc>
+                <a:spcPct val="70000"/>
+              </a:lnSpc>
+              <a:spcBef>
+                <a:spcPts val="0"/>
+              </a:spcBef>
+              <a:buNone/>
+            </a:pPr>
+            <a:r>
+              <a:rPr lang="en-US" sz="800" dirty="0"/>
+              <a:t>double delta(</a:t>
+            </a:r>
+            <a:r>
+              <a:rPr lang="en-US" sz="800" dirty="0" err="1"/>
+              <a:t>std</a:t>
+            </a:r>
+            <a:r>
+              <a:rPr lang="en-US" sz="800" dirty="0"/>
+              <a:t>::vector&lt;double&gt;&amp; a, </a:t>
+            </a:r>
+            <a:r>
+              <a:rPr lang="en-US" sz="800" dirty="0" err="1"/>
+              <a:t>std</a:t>
+            </a:r>
+            <a:r>
+              <a:rPr lang="en-US" sz="800" dirty="0"/>
+              <a:t>::vector&lt;double&gt;&amp; b, </a:t>
+            </a:r>
+            <a:r>
+              <a:rPr lang="en-US" sz="800" dirty="0" err="1"/>
+              <a:t>std</a:t>
+            </a:r>
+            <a:r>
+              <a:rPr lang="en-US" sz="800" dirty="0"/>
+              <a:t>::vector&lt;double&gt;&amp; dx)</a:t>
+            </a:r>
+          </a:p>
+          <a:p>
+            <a:pPr marL="0" indent="0">
+              <a:lnSpc>
+                <a:spcPct val="70000"/>
+              </a:lnSpc>
+              <a:spcBef>
+                <a:spcPts val="0"/>
+              </a:spcBef>
+              <a:buNone/>
+            </a:pPr>
+            <a:r>
+              <a:rPr lang="ru-RU" sz="800" dirty="0"/>
+              <a:t>{</a:t>
+            </a:r>
+          </a:p>
+          <a:p>
+            <a:pPr marL="0" indent="0">
+              <a:lnSpc>
+                <a:spcPct val="70000"/>
+              </a:lnSpc>
+              <a:spcBef>
+                <a:spcPts val="0"/>
+              </a:spcBef>
+              <a:buNone/>
+            </a:pPr>
+            <a:r>
+              <a:rPr lang="en-US" sz="800" dirty="0"/>
+              <a:t>auto s = 0.0;</a:t>
+            </a:r>
+          </a:p>
+          <a:p>
+            <a:pPr marL="0" indent="0">
+              <a:lnSpc>
+                <a:spcPct val="70000"/>
+              </a:lnSpc>
+              <a:spcBef>
+                <a:spcPts val="0"/>
+              </a:spcBef>
+              <a:buNone/>
+            </a:pPr>
+            <a:r>
+              <a:rPr lang="en-US" sz="800" dirty="0"/>
+              <a:t>auto i = 0;</a:t>
+            </a:r>
+          </a:p>
+          <a:p>
+            <a:pPr marL="0" indent="0">
+              <a:lnSpc>
+                <a:spcPct val="70000"/>
+              </a:lnSpc>
+              <a:spcBef>
+                <a:spcPts val="0"/>
+              </a:spcBef>
+              <a:buNone/>
+            </a:pPr>
+            <a:r>
+              <a:rPr lang="pl-PL" sz="800" dirty="0"/>
+              <a:t>for (; i &lt; a.size() &amp;&amp; i &lt; b.size() &amp;&amp; i &lt; dx.size(); i++) if (dx[i] &gt; 0.0) s += (a[i] - b[i]) * (a[i] - b[i]) / dx[i];</a:t>
+            </a:r>
+          </a:p>
+          <a:p>
+            <a:pPr marL="0" indent="0">
+              <a:lnSpc>
+                <a:spcPct val="70000"/>
+              </a:lnSpc>
+              <a:spcBef>
+                <a:spcPts val="0"/>
+              </a:spcBef>
+              <a:buNone/>
+            </a:pPr>
+            <a:r>
+              <a:rPr lang="en-US" sz="800" dirty="0"/>
+              <a:t>for (; i &lt; </a:t>
+            </a:r>
+            <a:r>
+              <a:rPr lang="en-US" sz="800" dirty="0" err="1"/>
+              <a:t>a.size</a:t>
+            </a:r>
+            <a:r>
+              <a:rPr lang="en-US" sz="800" dirty="0"/>
+              <a:t>() &amp;&amp; i &lt; </a:t>
+            </a:r>
+            <a:r>
+              <a:rPr lang="en-US" sz="800" dirty="0" err="1"/>
+              <a:t>dx.size</a:t>
+            </a:r>
+            <a:r>
+              <a:rPr lang="en-US" sz="800" dirty="0"/>
+              <a:t>(); i++) if (dx[i] &gt; 0.0) s += a[i] * a[i] / dx[i];</a:t>
+            </a:r>
+          </a:p>
+          <a:p>
+            <a:pPr marL="0" indent="0">
+              <a:lnSpc>
+                <a:spcPct val="70000"/>
+              </a:lnSpc>
+              <a:spcBef>
+                <a:spcPts val="0"/>
+              </a:spcBef>
+              <a:buNone/>
+            </a:pPr>
+            <a:r>
+              <a:rPr lang="en-US" sz="800" dirty="0"/>
+              <a:t>for (; i &lt; </a:t>
+            </a:r>
+            <a:r>
+              <a:rPr lang="en-US" sz="800" dirty="0" err="1"/>
+              <a:t>b.size</a:t>
+            </a:r>
+            <a:r>
+              <a:rPr lang="en-US" sz="800" dirty="0"/>
+              <a:t>() &amp;&amp; i &lt; </a:t>
+            </a:r>
+            <a:r>
+              <a:rPr lang="en-US" sz="800" dirty="0" err="1"/>
+              <a:t>dx.size</a:t>
+            </a:r>
+            <a:r>
+              <a:rPr lang="en-US" sz="800" dirty="0"/>
+              <a:t>(); i++) if (dx[i] &gt; 0.0) s += b[i] * b[i] / dx[i];</a:t>
+            </a:r>
+          </a:p>
+          <a:p>
+            <a:pPr marL="0" indent="0">
+              <a:lnSpc>
+                <a:spcPct val="70000"/>
+              </a:lnSpc>
+              <a:spcBef>
+                <a:spcPts val="0"/>
+              </a:spcBef>
+              <a:buNone/>
+            </a:pPr>
+            <a:r>
+              <a:rPr lang="en-US" sz="800" dirty="0"/>
+              <a:t>return s;</a:t>
+            </a:r>
+          </a:p>
+          <a:p>
+            <a:pPr marL="0" indent="0">
+              <a:lnSpc>
+                <a:spcPct val="70000"/>
+              </a:lnSpc>
+              <a:spcBef>
+                <a:spcPts val="0"/>
+              </a:spcBef>
+              <a:buNone/>
+            </a:pPr>
+            <a:r>
+              <a:rPr lang="ru-RU" sz="800" dirty="0"/>
+              <a:t>}</a:t>
+            </a:r>
+          </a:p>
+          <a:p>
+            <a:pPr marL="0" indent="0">
+              <a:lnSpc>
+                <a:spcPct val="70000"/>
+              </a:lnSpc>
+              <a:spcBef>
+                <a:spcPts val="0"/>
+              </a:spcBef>
+              <a:buNone/>
+            </a:pPr>
+            <a:endParaRPr lang="ru-RU" sz="800" dirty="0"/>
+          </a:p>
+          <a:p>
+            <a:pPr marL="0" indent="0">
+              <a:lnSpc>
+                <a:spcPct val="70000"/>
+              </a:lnSpc>
+              <a:spcBef>
+                <a:spcPts val="0"/>
+              </a:spcBef>
+              <a:buNone/>
+            </a:pPr>
+            <a:r>
+              <a:rPr lang="ru-RU" sz="800" dirty="0"/>
+              <a:t>/////////////////////////////////////////////////////////</a:t>
+            </a:r>
+          </a:p>
+          <a:p>
+            <a:pPr marL="0" indent="0">
+              <a:lnSpc>
+                <a:spcPct val="70000"/>
+              </a:lnSpc>
+              <a:spcBef>
+                <a:spcPts val="0"/>
+              </a:spcBef>
+              <a:buNone/>
+            </a:pPr>
+            <a:r>
+              <a:rPr lang="ru-RU" sz="800" dirty="0"/>
+              <a:t>// Вычисление </a:t>
+            </a:r>
+            <a:r>
+              <a:rPr lang="ru-RU" sz="800" dirty="0" err="1"/>
+              <a:t>растояния</a:t>
+            </a:r>
+            <a:r>
+              <a:rPr lang="ru-RU" sz="800" dirty="0"/>
+              <a:t> проекции двух векторов</a:t>
+            </a:r>
+          </a:p>
+          <a:p>
+            <a:pPr marL="0" indent="0">
+              <a:lnSpc>
+                <a:spcPct val="70000"/>
+              </a:lnSpc>
+              <a:spcBef>
+                <a:spcPts val="0"/>
+              </a:spcBef>
+              <a:buNone/>
+            </a:pPr>
+            <a:r>
+              <a:rPr lang="en-US" sz="800" dirty="0"/>
+              <a:t>double scalar(</a:t>
+            </a:r>
+            <a:r>
+              <a:rPr lang="en-US" sz="800" dirty="0" err="1"/>
+              <a:t>std</a:t>
+            </a:r>
+            <a:r>
+              <a:rPr lang="en-US" sz="800" dirty="0"/>
+              <a:t>::vector&lt;double&gt;&amp; a, </a:t>
+            </a:r>
+            <a:r>
+              <a:rPr lang="en-US" sz="800" dirty="0" err="1"/>
+              <a:t>std</a:t>
+            </a:r>
+            <a:r>
+              <a:rPr lang="en-US" sz="800" dirty="0"/>
+              <a:t>::vector&lt;double&gt;&amp; b, </a:t>
+            </a:r>
+            <a:r>
+              <a:rPr lang="en-US" sz="800" dirty="0" err="1"/>
+              <a:t>std</a:t>
+            </a:r>
+            <a:r>
+              <a:rPr lang="en-US" sz="800" dirty="0"/>
+              <a:t>::vector&lt;double&gt;&amp; dx)</a:t>
+            </a:r>
+          </a:p>
+          <a:p>
+            <a:pPr marL="0" indent="0">
+              <a:lnSpc>
+                <a:spcPct val="70000"/>
+              </a:lnSpc>
+              <a:spcBef>
+                <a:spcPts val="0"/>
+              </a:spcBef>
+              <a:buNone/>
+            </a:pPr>
+            <a:r>
+              <a:rPr lang="ru-RU" sz="800" dirty="0"/>
+              <a:t>{</a:t>
+            </a:r>
+          </a:p>
+          <a:p>
+            <a:pPr marL="0" indent="0">
+              <a:lnSpc>
+                <a:spcPct val="70000"/>
+              </a:lnSpc>
+              <a:spcBef>
+                <a:spcPts val="0"/>
+              </a:spcBef>
+              <a:buNone/>
+            </a:pPr>
+            <a:r>
+              <a:rPr lang="en-US" sz="800" dirty="0"/>
+              <a:t>auto s = 0.0;</a:t>
+            </a:r>
+          </a:p>
+          <a:p>
+            <a:pPr marL="0" indent="0">
+              <a:lnSpc>
+                <a:spcPct val="70000"/>
+              </a:lnSpc>
+              <a:spcBef>
+                <a:spcPts val="0"/>
+              </a:spcBef>
+              <a:buNone/>
+            </a:pPr>
+            <a:r>
+              <a:rPr lang="en-US" sz="800" dirty="0"/>
+              <a:t>auto i = 0;</a:t>
+            </a:r>
+          </a:p>
+          <a:p>
+            <a:pPr marL="0" indent="0">
+              <a:lnSpc>
+                <a:spcPct val="70000"/>
+              </a:lnSpc>
+              <a:spcBef>
+                <a:spcPts val="0"/>
+              </a:spcBef>
+              <a:buNone/>
+            </a:pPr>
+            <a:r>
+              <a:rPr lang="en-US" sz="800" dirty="0"/>
+              <a:t>for (; i &lt; </a:t>
+            </a:r>
+            <a:r>
+              <a:rPr lang="en-US" sz="800" dirty="0" err="1"/>
+              <a:t>a.size</a:t>
+            </a:r>
+            <a:r>
+              <a:rPr lang="en-US" sz="800" dirty="0"/>
+              <a:t>() &amp;&amp; i &lt; </a:t>
+            </a:r>
+            <a:r>
+              <a:rPr lang="en-US" sz="800" dirty="0" err="1"/>
+              <a:t>b.size</a:t>
+            </a:r>
+            <a:r>
+              <a:rPr lang="en-US" sz="800" dirty="0"/>
+              <a:t>() &amp;&amp; i &lt; </a:t>
+            </a:r>
+            <a:r>
+              <a:rPr lang="en-US" sz="800" dirty="0" err="1"/>
+              <a:t>dx.size</a:t>
+            </a:r>
+            <a:r>
+              <a:rPr lang="en-US" sz="800" dirty="0"/>
+              <a:t>(); i++) if (dx[i] &gt; 0.0) s += (a[i] * b[i]) / dx[i];</a:t>
+            </a:r>
+          </a:p>
+          <a:p>
+            <a:pPr marL="0" indent="0">
+              <a:lnSpc>
+                <a:spcPct val="70000"/>
+              </a:lnSpc>
+              <a:spcBef>
+                <a:spcPts val="0"/>
+              </a:spcBef>
+              <a:buNone/>
+            </a:pPr>
+            <a:r>
+              <a:rPr lang="en-US" sz="800" dirty="0"/>
+              <a:t>return s;</a:t>
+            </a:r>
+          </a:p>
+          <a:p>
+            <a:pPr marL="0" indent="0">
+              <a:lnSpc>
+                <a:spcPct val="70000"/>
+              </a:lnSpc>
+              <a:spcBef>
+                <a:spcPts val="0"/>
+              </a:spcBef>
+              <a:buNone/>
+            </a:pPr>
+            <a:r>
+              <a:rPr lang="ru-RU" sz="800" dirty="0"/>
+              <a:t>}</a:t>
+            </a:r>
+          </a:p>
+          <a:p>
+            <a:pPr marL="0" indent="0">
+              <a:lnSpc>
+                <a:spcPct val="70000"/>
+              </a:lnSpc>
+              <a:spcBef>
+                <a:spcPts val="0"/>
+              </a:spcBef>
+              <a:buNone/>
+            </a:pPr>
+            <a:endParaRPr lang="ru-RU" sz="800" dirty="0"/>
+          </a:p>
+          <a:p>
+            <a:pPr marL="0" indent="0">
+              <a:lnSpc>
+                <a:spcPct val="70000"/>
+              </a:lnSpc>
+              <a:spcBef>
+                <a:spcPts val="0"/>
+              </a:spcBef>
+              <a:buNone/>
+            </a:pPr>
+            <a:r>
+              <a:rPr lang="ru-RU" sz="800" dirty="0"/>
+              <a:t>/////////////////////////////////////////////////////////</a:t>
+            </a:r>
+          </a:p>
+          <a:p>
+            <a:pPr marL="0" indent="0">
+              <a:lnSpc>
+                <a:spcPct val="70000"/>
+              </a:lnSpc>
+              <a:spcBef>
+                <a:spcPts val="0"/>
+              </a:spcBef>
+              <a:buNone/>
+            </a:pPr>
+            <a:r>
+              <a:rPr lang="ru-RU" sz="800" dirty="0"/>
+              <a:t>// Возвращает предсказание для указанных параметров исходя из исторических данных</a:t>
+            </a:r>
+          </a:p>
+          <a:p>
+            <a:pPr marL="0" indent="0">
+              <a:lnSpc>
+                <a:spcPct val="70000"/>
+              </a:lnSpc>
+              <a:spcBef>
+                <a:spcPts val="0"/>
+              </a:spcBef>
+              <a:buNone/>
+            </a:pPr>
+            <a:r>
+              <a:rPr lang="en-US" sz="800" dirty="0"/>
+              <a:t>double predict(</a:t>
+            </a:r>
+            <a:r>
+              <a:rPr lang="en-US" sz="800" dirty="0" err="1"/>
+              <a:t>std</a:t>
+            </a:r>
+            <a:r>
+              <a:rPr lang="en-US" sz="800" dirty="0"/>
+              <a:t>::vector&lt;double&gt;&amp; x,</a:t>
+            </a:r>
+          </a:p>
+          <a:p>
+            <a:pPr marL="0" indent="0">
+              <a:lnSpc>
+                <a:spcPct val="70000"/>
+              </a:lnSpc>
+              <a:spcBef>
+                <a:spcPts val="0"/>
+              </a:spcBef>
+              <a:buNone/>
+            </a:pPr>
+            <a:r>
+              <a:rPr lang="en-US" sz="800" dirty="0"/>
+              <a:t>               </a:t>
+            </a:r>
+            <a:r>
+              <a:rPr lang="en-US" sz="800" dirty="0" err="1"/>
+              <a:t>std</a:t>
+            </a:r>
+            <a:r>
+              <a:rPr lang="en-US" sz="800" dirty="0"/>
+              <a:t>::vector&lt;</a:t>
+            </a:r>
+            <a:r>
+              <a:rPr lang="en-US" sz="800" dirty="0" err="1"/>
+              <a:t>t_previous_result</a:t>
+            </a:r>
+            <a:r>
+              <a:rPr lang="en-US" sz="800" dirty="0"/>
+              <a:t>&gt;&amp; </a:t>
+            </a:r>
+            <a:r>
+              <a:rPr lang="en-US" sz="800" dirty="0" err="1"/>
+              <a:t>previous_results</a:t>
+            </a:r>
+            <a:r>
+              <a:rPr lang="en-US" sz="800" dirty="0"/>
+              <a:t>,</a:t>
+            </a:r>
+          </a:p>
+          <a:p>
+            <a:pPr marL="0" indent="0">
+              <a:lnSpc>
+                <a:spcPct val="70000"/>
+              </a:lnSpc>
+              <a:spcBef>
+                <a:spcPts val="0"/>
+              </a:spcBef>
+              <a:buNone/>
+            </a:pPr>
+            <a:r>
+              <a:rPr lang="en-US" sz="800" dirty="0"/>
+              <a:t>               </a:t>
+            </a:r>
+            <a:r>
+              <a:rPr lang="en-US" sz="800" dirty="0" err="1"/>
+              <a:t>std</a:t>
+            </a:r>
+            <a:r>
+              <a:rPr lang="en-US" sz="800" dirty="0"/>
+              <a:t>::vector&lt;double&gt;&amp; dx,</a:t>
+            </a:r>
+          </a:p>
+          <a:p>
+            <a:pPr marL="0" indent="0">
+              <a:lnSpc>
+                <a:spcPct val="70000"/>
+              </a:lnSpc>
+              <a:spcBef>
+                <a:spcPts val="0"/>
+              </a:spcBef>
+              <a:buNone/>
+            </a:pPr>
+            <a:r>
+              <a:rPr lang="en-US" sz="800" dirty="0"/>
+              <a:t>               int p)</a:t>
+            </a:r>
+          </a:p>
+          <a:p>
+            <a:pPr marL="0" indent="0">
+              <a:lnSpc>
+                <a:spcPct val="70000"/>
+              </a:lnSpc>
+              <a:spcBef>
+                <a:spcPts val="0"/>
+              </a:spcBef>
+              <a:buNone/>
+            </a:pPr>
+            <a:r>
+              <a:rPr lang="ru-RU" sz="800" dirty="0"/>
+              <a:t>{</a:t>
+            </a:r>
+          </a:p>
+          <a:p>
+            <a:pPr marL="0" indent="0">
+              <a:lnSpc>
+                <a:spcPct val="70000"/>
+              </a:lnSpc>
+              <a:spcBef>
+                <a:spcPts val="0"/>
+              </a:spcBef>
+              <a:buNone/>
+            </a:pPr>
+            <a:r>
+              <a:rPr lang="en-US" sz="800" dirty="0" err="1"/>
+              <a:t>std</a:t>
+            </a:r>
+            <a:r>
+              <a:rPr lang="en-US" sz="800" dirty="0"/>
+              <a:t>::vector&lt;</a:t>
+            </a:r>
+            <a:r>
+              <a:rPr lang="en-US" sz="800" dirty="0" err="1"/>
+              <a:t>std</a:t>
+            </a:r>
+            <a:r>
+              <a:rPr lang="en-US" sz="800" dirty="0"/>
+              <a:t>::pair&lt;</a:t>
+            </a:r>
+            <a:r>
+              <a:rPr lang="en-US" sz="800" dirty="0" err="1"/>
+              <a:t>t_previous_result</a:t>
+            </a:r>
+            <a:r>
+              <a:rPr lang="en-US" sz="800" dirty="0"/>
+              <a:t>, double&gt;&gt; neighbors;</a:t>
+            </a:r>
+          </a:p>
+          <a:p>
+            <a:pPr marL="0" indent="0">
+              <a:lnSpc>
+                <a:spcPct val="70000"/>
+              </a:lnSpc>
+              <a:spcBef>
+                <a:spcPts val="0"/>
+              </a:spcBef>
+              <a:buNone/>
+            </a:pPr>
+            <a:r>
+              <a:rPr lang="en-US" sz="800" dirty="0"/>
+              <a:t>for (auto it = </a:t>
+            </a:r>
+            <a:r>
+              <a:rPr lang="en-US" sz="800" dirty="0" err="1"/>
+              <a:t>previous_results.begin</a:t>
+            </a:r>
+            <a:r>
+              <a:rPr lang="en-US" sz="800" dirty="0"/>
+              <a:t>(); it != </a:t>
+            </a:r>
+            <a:r>
+              <a:rPr lang="en-US" sz="800" dirty="0" err="1"/>
+              <a:t>previous_results.end</a:t>
+            </a:r>
+            <a:r>
+              <a:rPr lang="en-US" sz="800" dirty="0"/>
+              <a:t>(); ++it)</a:t>
+            </a:r>
+          </a:p>
+          <a:p>
+            <a:pPr marL="0" indent="0">
+              <a:lnSpc>
+                <a:spcPct val="70000"/>
+              </a:lnSpc>
+              <a:spcBef>
+                <a:spcPts val="0"/>
+              </a:spcBef>
+              <a:buNone/>
+            </a:pPr>
+            <a:r>
+              <a:rPr lang="ru-RU" sz="800" dirty="0"/>
+              <a:t>{</a:t>
+            </a:r>
+          </a:p>
+          <a:p>
+            <a:pPr marL="0" indent="0">
+              <a:lnSpc>
+                <a:spcPct val="70000"/>
+              </a:lnSpc>
+              <a:spcBef>
+                <a:spcPts val="0"/>
+              </a:spcBef>
+              <a:buNone/>
+            </a:pPr>
+            <a:r>
+              <a:rPr lang="en-US" sz="800" dirty="0" err="1"/>
+              <a:t>std</a:t>
+            </a:r>
+            <a:r>
+              <a:rPr lang="en-US" sz="800" dirty="0"/>
+              <a:t>::vector&lt;double&gt;&amp; x2 = it-&gt;x;</a:t>
+            </a:r>
+          </a:p>
+          <a:p>
+            <a:pPr marL="0" indent="0">
+              <a:lnSpc>
+                <a:spcPct val="70000"/>
+              </a:lnSpc>
+              <a:spcBef>
+                <a:spcPts val="0"/>
+              </a:spcBef>
+              <a:buNone/>
+            </a:pPr>
+            <a:r>
+              <a:rPr lang="it-IT" sz="800" dirty="0"/>
+              <a:t>auto d = delta(x, x2, dx);</a:t>
+            </a:r>
+          </a:p>
+          <a:p>
+            <a:pPr marL="0" indent="0">
+              <a:lnSpc>
+                <a:spcPct val="70000"/>
+              </a:lnSpc>
+              <a:spcBef>
+                <a:spcPts val="0"/>
+              </a:spcBef>
+              <a:buNone/>
+            </a:pPr>
+            <a:r>
+              <a:rPr lang="en-US" sz="800" dirty="0" err="1"/>
+              <a:t>std</a:t>
+            </a:r>
+            <a:r>
+              <a:rPr lang="en-US" sz="800" dirty="0"/>
+              <a:t>::pair&lt;</a:t>
+            </a:r>
+            <a:r>
+              <a:rPr lang="en-US" sz="800" dirty="0" err="1"/>
+              <a:t>t_previous_result</a:t>
+            </a:r>
+            <a:r>
+              <a:rPr lang="en-US" sz="800" dirty="0"/>
+              <a:t>, double&gt; pair(*it, d);</a:t>
+            </a:r>
+          </a:p>
+          <a:p>
+            <a:pPr marL="0" indent="0">
+              <a:lnSpc>
+                <a:spcPct val="70000"/>
+              </a:lnSpc>
+              <a:spcBef>
+                <a:spcPts val="0"/>
+              </a:spcBef>
+              <a:buNone/>
+            </a:pPr>
+            <a:r>
+              <a:rPr lang="en-US" sz="800" dirty="0" err="1"/>
+              <a:t>neighbors.push_back</a:t>
+            </a:r>
+            <a:r>
+              <a:rPr lang="en-US" sz="800" dirty="0"/>
+              <a:t>(pair);</a:t>
+            </a:r>
+          </a:p>
+          <a:p>
+            <a:pPr marL="0" indent="0">
+              <a:lnSpc>
+                <a:spcPct val="70000"/>
+              </a:lnSpc>
+              <a:spcBef>
+                <a:spcPts val="0"/>
+              </a:spcBef>
+              <a:buNone/>
+            </a:pPr>
+            <a:r>
+              <a:rPr lang="ru-RU" sz="800" dirty="0"/>
+              <a:t>}</a:t>
+            </a:r>
+          </a:p>
+          <a:p>
+            <a:pPr marL="0" indent="0">
+              <a:lnSpc>
+                <a:spcPct val="70000"/>
+              </a:lnSpc>
+              <a:spcBef>
+                <a:spcPts val="0"/>
+              </a:spcBef>
+              <a:buNone/>
+            </a:pPr>
+            <a:r>
+              <a:rPr lang="en-US" sz="800" dirty="0" err="1"/>
+              <a:t>std</a:t>
+            </a:r>
+            <a:r>
+              <a:rPr lang="en-US" sz="800" dirty="0"/>
+              <a:t>::sort(</a:t>
+            </a:r>
+            <a:r>
+              <a:rPr lang="en-US" sz="800" dirty="0" err="1"/>
+              <a:t>neighbors.begin</a:t>
+            </a:r>
+            <a:r>
+              <a:rPr lang="en-US" sz="800" dirty="0"/>
+              <a:t>(), </a:t>
+            </a:r>
+            <a:r>
+              <a:rPr lang="en-US" sz="800" dirty="0" err="1"/>
+              <a:t>neighbors.end</a:t>
+            </a:r>
+            <a:r>
+              <a:rPr lang="en-US" sz="800" dirty="0"/>
+              <a:t>(),</a:t>
+            </a:r>
+          </a:p>
+          <a:p>
+            <a:pPr marL="0" indent="0">
+              <a:lnSpc>
+                <a:spcPct val="70000"/>
+              </a:lnSpc>
+              <a:spcBef>
+                <a:spcPts val="0"/>
+              </a:spcBef>
+              <a:buNone/>
+            </a:pPr>
+            <a:r>
+              <a:rPr lang="en-US" sz="800" dirty="0"/>
+              <a:t>          [](</a:t>
+            </a:r>
+            <a:r>
+              <a:rPr lang="en-US" sz="800" dirty="0" err="1"/>
+              <a:t>std</a:t>
+            </a:r>
+            <a:r>
+              <a:rPr lang="en-US" sz="800" dirty="0"/>
+              <a:t>::pair&lt;</a:t>
+            </a:r>
+            <a:r>
+              <a:rPr lang="en-US" sz="800" dirty="0" err="1"/>
+              <a:t>t_previous_result</a:t>
+            </a:r>
+            <a:r>
+              <a:rPr lang="en-US" sz="800" dirty="0"/>
+              <a:t>, double&gt; const&amp; a, </a:t>
+            </a:r>
+            <a:r>
+              <a:rPr lang="en-US" sz="800" dirty="0" err="1"/>
+              <a:t>std</a:t>
+            </a:r>
+            <a:r>
+              <a:rPr lang="en-US" sz="800" dirty="0"/>
+              <a:t>::pair&lt;</a:t>
+            </a:r>
+            <a:r>
+              <a:rPr lang="en-US" sz="800" dirty="0" err="1"/>
+              <a:t>t_previous_result</a:t>
+            </a:r>
+            <a:r>
+              <a:rPr lang="en-US" sz="800" dirty="0"/>
+              <a:t>, double&gt; const&amp; b)</a:t>
+            </a:r>
+          </a:p>
+          <a:p>
+            <a:pPr marL="0" indent="0">
+              <a:lnSpc>
+                <a:spcPct val="70000"/>
+              </a:lnSpc>
+              <a:spcBef>
+                <a:spcPts val="0"/>
+              </a:spcBef>
+              <a:buNone/>
+            </a:pPr>
+            <a:r>
+              <a:rPr lang="ru-RU" sz="800" dirty="0"/>
+              <a:t>          {</a:t>
+            </a:r>
+          </a:p>
+          <a:p>
+            <a:pPr marL="0" indent="0">
+              <a:lnSpc>
+                <a:spcPct val="70000"/>
+              </a:lnSpc>
+              <a:spcBef>
+                <a:spcPts val="0"/>
+              </a:spcBef>
+              <a:buNone/>
+            </a:pPr>
+            <a:r>
+              <a:rPr lang="en-US" sz="800" dirty="0"/>
+              <a:t>          return (</a:t>
+            </a:r>
+            <a:r>
+              <a:rPr lang="en-US" sz="800" dirty="0" err="1"/>
+              <a:t>a.second</a:t>
+            </a:r>
+            <a:r>
+              <a:rPr lang="en-US" sz="800" dirty="0"/>
+              <a:t> &lt; </a:t>
+            </a:r>
+            <a:r>
+              <a:rPr lang="en-US" sz="800" dirty="0" err="1"/>
+              <a:t>b.second</a:t>
+            </a:r>
+            <a:r>
+              <a:rPr lang="en-US" sz="800" dirty="0"/>
+              <a:t>);</a:t>
+            </a:r>
+          </a:p>
+          <a:p>
+            <a:pPr marL="0" indent="0">
+              <a:lnSpc>
+                <a:spcPct val="70000"/>
+              </a:lnSpc>
+              <a:spcBef>
+                <a:spcPts val="0"/>
+              </a:spcBef>
+              <a:buNone/>
+            </a:pPr>
+            <a:r>
+              <a:rPr lang="ru-RU" sz="800" dirty="0"/>
+              <a:t>          });</a:t>
+            </a:r>
+          </a:p>
+          <a:p>
+            <a:pPr marL="0" indent="0">
+              <a:lnSpc>
+                <a:spcPct val="70000"/>
+              </a:lnSpc>
+              <a:spcBef>
+                <a:spcPts val="0"/>
+              </a:spcBef>
+              <a:buNone/>
+            </a:pPr>
+            <a:r>
+              <a:rPr lang="en-US" sz="800" dirty="0" err="1"/>
+              <a:t>neighbors.resize</a:t>
+            </a:r>
+            <a:r>
+              <a:rPr lang="en-US" sz="800" dirty="0"/>
+              <a:t>(</a:t>
+            </a:r>
+            <a:r>
+              <a:rPr lang="en-US" sz="800" dirty="0" err="1"/>
+              <a:t>std</a:t>
+            </a:r>
+            <a:r>
+              <a:rPr lang="en-US" sz="800" dirty="0"/>
+              <a:t>::min(p, </a:t>
+            </a:r>
+            <a:r>
+              <a:rPr lang="en-US" sz="800" dirty="0" err="1"/>
+              <a:t>static_cast</a:t>
+            </a:r>
+            <a:r>
+              <a:rPr lang="en-US" sz="800" dirty="0"/>
+              <a:t>&lt;int&gt;(</a:t>
+            </a:r>
+            <a:r>
+              <a:rPr lang="en-US" sz="800" dirty="0" err="1"/>
+              <a:t>neighbors.size</a:t>
+            </a:r>
+            <a:r>
+              <a:rPr lang="en-US" sz="800" dirty="0"/>
+              <a:t>())));</a:t>
+            </a:r>
+          </a:p>
+          <a:p>
+            <a:pPr marL="0" indent="0">
+              <a:lnSpc>
+                <a:spcPct val="70000"/>
+              </a:lnSpc>
+              <a:spcBef>
+                <a:spcPts val="0"/>
+              </a:spcBef>
+              <a:buNone/>
+            </a:pPr>
+            <a:r>
+              <a:rPr lang="en-US" sz="800" dirty="0"/>
+              <a:t>auto y = 0.0;</a:t>
+            </a:r>
+          </a:p>
+          <a:p>
+            <a:pPr marL="0" indent="0">
+              <a:lnSpc>
+                <a:spcPct val="70000"/>
+              </a:lnSpc>
+              <a:spcBef>
+                <a:spcPts val="0"/>
+              </a:spcBef>
+              <a:buNone/>
+            </a:pPr>
+            <a:r>
+              <a:rPr lang="en-US" sz="800" dirty="0"/>
+              <a:t>for (auto </a:t>
+            </a:r>
+            <a:r>
+              <a:rPr lang="en-US" sz="800" dirty="0" err="1"/>
+              <a:t>iti</a:t>
+            </a:r>
+            <a:r>
+              <a:rPr lang="en-US" sz="800" dirty="0"/>
+              <a:t> = </a:t>
+            </a:r>
+            <a:r>
+              <a:rPr lang="en-US" sz="800" dirty="0" err="1"/>
+              <a:t>neighbors.begin</a:t>
+            </a:r>
+            <a:r>
+              <a:rPr lang="en-US" sz="800" dirty="0"/>
+              <a:t>(); </a:t>
+            </a:r>
+            <a:r>
+              <a:rPr lang="en-US" sz="800" dirty="0" err="1"/>
+              <a:t>iti</a:t>
+            </a:r>
+            <a:r>
+              <a:rPr lang="en-US" sz="800" dirty="0"/>
+              <a:t> != </a:t>
+            </a:r>
+            <a:r>
+              <a:rPr lang="en-US" sz="800" dirty="0" err="1"/>
+              <a:t>neighbors.end</a:t>
+            </a:r>
+            <a:r>
+              <a:rPr lang="en-US" sz="800" dirty="0"/>
+              <a:t>(); ++</a:t>
+            </a:r>
+            <a:r>
+              <a:rPr lang="en-US" sz="800" dirty="0" err="1"/>
+              <a:t>iti</a:t>
+            </a:r>
+            <a:r>
+              <a:rPr lang="en-US" sz="800" dirty="0"/>
+              <a:t>)</a:t>
+            </a:r>
+          </a:p>
+          <a:p>
+            <a:pPr marL="0" indent="0">
+              <a:lnSpc>
+                <a:spcPct val="70000"/>
+              </a:lnSpc>
+              <a:spcBef>
+                <a:spcPts val="0"/>
+              </a:spcBef>
+              <a:buNone/>
+            </a:pPr>
+            <a:r>
+              <a:rPr lang="ru-RU" sz="800" dirty="0"/>
+              <a:t>{</a:t>
+            </a:r>
+          </a:p>
+          <a:p>
+            <a:pPr marL="0" indent="0">
+              <a:lnSpc>
+                <a:spcPct val="70000"/>
+              </a:lnSpc>
+              <a:spcBef>
+                <a:spcPts val="0"/>
+              </a:spcBef>
+              <a:buNone/>
+            </a:pPr>
+            <a:r>
+              <a:rPr lang="en-US" sz="800" dirty="0"/>
+              <a:t>auto s = </a:t>
+            </a:r>
+            <a:r>
+              <a:rPr lang="en-US" sz="800" dirty="0" err="1"/>
+              <a:t>iti</a:t>
+            </a:r>
+            <a:r>
+              <a:rPr lang="en-US" sz="800" dirty="0"/>
+              <a:t>-&gt;</a:t>
+            </a:r>
+            <a:r>
+              <a:rPr lang="en-US" sz="800" dirty="0" err="1"/>
+              <a:t>first.y</a:t>
+            </a:r>
+            <a:r>
+              <a:rPr lang="en-US" sz="800" dirty="0"/>
+              <a:t>;</a:t>
+            </a:r>
+          </a:p>
+          <a:p>
+            <a:pPr marL="0" indent="0">
+              <a:lnSpc>
+                <a:spcPct val="70000"/>
+              </a:lnSpc>
+              <a:spcBef>
+                <a:spcPts val="0"/>
+              </a:spcBef>
+              <a:buNone/>
+            </a:pPr>
+            <a:r>
+              <a:rPr lang="en-US" sz="800" dirty="0" err="1"/>
+              <a:t>std</a:t>
+            </a:r>
+            <a:r>
+              <a:rPr lang="en-US" sz="800" dirty="0"/>
+              <a:t>::vector&lt;double&gt;&amp; xi = </a:t>
+            </a:r>
+            <a:r>
+              <a:rPr lang="en-US" sz="800" dirty="0" err="1"/>
+              <a:t>iti</a:t>
+            </a:r>
+            <a:r>
+              <a:rPr lang="en-US" sz="800" dirty="0"/>
+              <a:t>-&gt;</a:t>
+            </a:r>
+            <a:r>
+              <a:rPr lang="en-US" sz="800" dirty="0" err="1"/>
+              <a:t>first.x</a:t>
+            </a:r>
+            <a:r>
+              <a:rPr lang="en-US" sz="800" dirty="0"/>
+              <a:t>;</a:t>
+            </a:r>
+          </a:p>
+          <a:p>
+            <a:pPr marL="0" indent="0">
+              <a:lnSpc>
+                <a:spcPct val="70000"/>
+              </a:lnSpc>
+              <a:spcBef>
+                <a:spcPts val="0"/>
+              </a:spcBef>
+              <a:buNone/>
+            </a:pPr>
+            <a:r>
+              <a:rPr lang="en-US" sz="800" dirty="0"/>
+              <a:t>for (auto </a:t>
+            </a:r>
+            <a:r>
+              <a:rPr lang="en-US" sz="800" dirty="0" err="1"/>
+              <a:t>itj</a:t>
+            </a:r>
+            <a:r>
+              <a:rPr lang="en-US" sz="800" dirty="0"/>
+              <a:t> = </a:t>
+            </a:r>
+            <a:r>
+              <a:rPr lang="en-US" sz="800" dirty="0" err="1"/>
+              <a:t>neighbors.begin</a:t>
+            </a:r>
+            <a:r>
+              <a:rPr lang="en-US" sz="800" dirty="0"/>
+              <a:t>(); </a:t>
+            </a:r>
+            <a:r>
+              <a:rPr lang="en-US" sz="800" dirty="0" err="1"/>
+              <a:t>itj</a:t>
+            </a:r>
+            <a:r>
+              <a:rPr lang="en-US" sz="800" dirty="0"/>
+              <a:t> != </a:t>
+            </a:r>
+            <a:r>
+              <a:rPr lang="en-US" sz="800" dirty="0" err="1"/>
+              <a:t>neighbors.end</a:t>
+            </a:r>
+            <a:r>
+              <a:rPr lang="en-US" sz="800" dirty="0"/>
+              <a:t>(); ++</a:t>
+            </a:r>
+            <a:r>
+              <a:rPr lang="en-US" sz="800" dirty="0" err="1"/>
+              <a:t>itj</a:t>
+            </a:r>
+            <a:r>
+              <a:rPr lang="en-US" sz="800" dirty="0"/>
+              <a:t>)</a:t>
+            </a:r>
+          </a:p>
+          <a:p>
+            <a:pPr marL="0" indent="0">
+              <a:lnSpc>
+                <a:spcPct val="70000"/>
+              </a:lnSpc>
+              <a:spcBef>
+                <a:spcPts val="0"/>
+              </a:spcBef>
+              <a:buNone/>
+            </a:pPr>
+            <a:r>
+              <a:rPr lang="ru-RU" sz="800" dirty="0"/>
+              <a:t>{</a:t>
+            </a:r>
+          </a:p>
+          <a:p>
+            <a:pPr marL="0" indent="0">
+              <a:lnSpc>
+                <a:spcPct val="70000"/>
+              </a:lnSpc>
+              <a:spcBef>
+                <a:spcPts val="0"/>
+              </a:spcBef>
+              <a:buNone/>
+            </a:pPr>
+            <a:r>
+              <a:rPr lang="en-US" sz="800" dirty="0"/>
+              <a:t>if (</a:t>
+            </a:r>
+            <a:r>
+              <a:rPr lang="en-US" sz="800" dirty="0" err="1"/>
+              <a:t>iti</a:t>
+            </a:r>
+            <a:r>
+              <a:rPr lang="en-US" sz="800" dirty="0"/>
+              <a:t> == </a:t>
+            </a:r>
+            <a:r>
+              <a:rPr lang="en-US" sz="800" dirty="0" err="1"/>
+              <a:t>itj</a:t>
+            </a:r>
+            <a:r>
+              <a:rPr lang="en-US" sz="800" dirty="0"/>
+              <a:t>) continue;</a:t>
+            </a:r>
+          </a:p>
+          <a:p>
+            <a:pPr marL="0" indent="0">
+              <a:lnSpc>
+                <a:spcPct val="70000"/>
+              </a:lnSpc>
+              <a:spcBef>
+                <a:spcPts val="0"/>
+              </a:spcBef>
+              <a:buNone/>
+            </a:pPr>
+            <a:r>
+              <a:rPr lang="en-US" sz="800" dirty="0" err="1"/>
+              <a:t>std</a:t>
+            </a:r>
+            <a:r>
+              <a:rPr lang="en-US" sz="800" dirty="0"/>
+              <a:t>::vector&lt;double&gt;&amp; </a:t>
+            </a:r>
+            <a:r>
+              <a:rPr lang="en-US" sz="800" dirty="0" err="1"/>
+              <a:t>xj</a:t>
+            </a:r>
+            <a:r>
+              <a:rPr lang="en-US" sz="800" dirty="0"/>
+              <a:t> = </a:t>
+            </a:r>
+            <a:r>
+              <a:rPr lang="en-US" sz="800" dirty="0" err="1"/>
+              <a:t>itj</a:t>
+            </a:r>
+            <a:r>
+              <a:rPr lang="en-US" sz="800" dirty="0"/>
+              <a:t>-&gt;</a:t>
+            </a:r>
+            <a:r>
+              <a:rPr lang="en-US" sz="800" dirty="0" err="1"/>
+              <a:t>first.x</a:t>
+            </a:r>
+            <a:r>
+              <a:rPr lang="en-US" sz="800" dirty="0"/>
+              <a:t>;</a:t>
+            </a:r>
+          </a:p>
+          <a:p>
+            <a:pPr marL="0" indent="0">
+              <a:lnSpc>
+                <a:spcPct val="70000"/>
+              </a:lnSpc>
+              <a:spcBef>
+                <a:spcPts val="0"/>
+              </a:spcBef>
+              <a:buNone/>
+            </a:pPr>
+            <a:r>
+              <a:rPr lang="en-US" sz="800" dirty="0" err="1"/>
+              <a:t>std</a:t>
+            </a:r>
+            <a:r>
+              <a:rPr lang="en-US" sz="800" dirty="0"/>
+              <a:t>::vector&lt;double&gt; </a:t>
+            </a:r>
+            <a:r>
+              <a:rPr lang="en-US" sz="800" dirty="0" err="1"/>
+              <a:t>xxj</a:t>
+            </a:r>
+            <a:r>
+              <a:rPr lang="en-US" sz="800" dirty="0"/>
+              <a:t>;</a:t>
+            </a:r>
+          </a:p>
+          <a:p>
+            <a:pPr marL="0" indent="0">
+              <a:lnSpc>
+                <a:spcPct val="70000"/>
+              </a:lnSpc>
+              <a:spcBef>
+                <a:spcPts val="0"/>
+              </a:spcBef>
+              <a:buNone/>
+            </a:pPr>
+            <a:r>
+              <a:rPr lang="en-US" sz="800" dirty="0" err="1"/>
+              <a:t>std</a:t>
+            </a:r>
+            <a:r>
+              <a:rPr lang="en-US" sz="800" dirty="0"/>
+              <a:t>::vector&lt;double&gt; </a:t>
+            </a:r>
+            <a:r>
+              <a:rPr lang="en-US" sz="800" dirty="0" err="1"/>
+              <a:t>xixj</a:t>
+            </a:r>
+            <a:r>
+              <a:rPr lang="en-US" sz="800" dirty="0"/>
+              <a:t>;</a:t>
+            </a:r>
+          </a:p>
+          <a:p>
+            <a:pPr marL="0" indent="0">
+              <a:lnSpc>
+                <a:spcPct val="70000"/>
+              </a:lnSpc>
+              <a:spcBef>
+                <a:spcPts val="0"/>
+              </a:spcBef>
+              <a:buNone/>
+            </a:pPr>
+            <a:r>
+              <a:rPr lang="en-US" sz="800" dirty="0"/>
+              <a:t>for (auto i = 0; i &lt; </a:t>
+            </a:r>
+            <a:r>
+              <a:rPr lang="en-US" sz="800" dirty="0" err="1"/>
+              <a:t>x.size</a:t>
+            </a:r>
+            <a:r>
+              <a:rPr lang="en-US" sz="800" dirty="0"/>
+              <a:t>() &amp;&amp; i &lt; </a:t>
+            </a:r>
+            <a:r>
+              <a:rPr lang="en-US" sz="800" dirty="0" err="1"/>
+              <a:t>xj.size</a:t>
+            </a:r>
+            <a:r>
+              <a:rPr lang="en-US" sz="800" dirty="0"/>
+              <a:t>(); i++) </a:t>
+            </a:r>
+            <a:r>
+              <a:rPr lang="en-US" sz="800" dirty="0" err="1"/>
+              <a:t>xxj.push_back</a:t>
+            </a:r>
+            <a:r>
+              <a:rPr lang="en-US" sz="800" dirty="0"/>
+              <a:t>(x[i] - </a:t>
+            </a:r>
+            <a:r>
+              <a:rPr lang="en-US" sz="800" dirty="0" err="1"/>
+              <a:t>xj</a:t>
+            </a:r>
+            <a:r>
+              <a:rPr lang="en-US" sz="800" dirty="0"/>
+              <a:t>[i]);</a:t>
+            </a:r>
+          </a:p>
+          <a:p>
+            <a:pPr marL="0" indent="0">
+              <a:lnSpc>
+                <a:spcPct val="70000"/>
+              </a:lnSpc>
+              <a:spcBef>
+                <a:spcPts val="0"/>
+              </a:spcBef>
+              <a:buNone/>
+            </a:pPr>
+            <a:r>
+              <a:rPr lang="en-US" sz="800" dirty="0"/>
+              <a:t>for (auto i = 0; i &lt; </a:t>
+            </a:r>
+            <a:r>
+              <a:rPr lang="en-US" sz="800" dirty="0" err="1"/>
+              <a:t>xi.size</a:t>
+            </a:r>
+            <a:r>
+              <a:rPr lang="en-US" sz="800" dirty="0"/>
+              <a:t>() &amp;&amp; i &lt; </a:t>
+            </a:r>
+            <a:r>
+              <a:rPr lang="en-US" sz="800" dirty="0" err="1"/>
+              <a:t>xj.size</a:t>
+            </a:r>
+            <a:r>
+              <a:rPr lang="en-US" sz="800" dirty="0"/>
+              <a:t>(); i++) </a:t>
+            </a:r>
+            <a:r>
+              <a:rPr lang="en-US" sz="800" dirty="0" err="1"/>
+              <a:t>xixj.push_back</a:t>
+            </a:r>
+            <a:r>
+              <a:rPr lang="en-US" sz="800" dirty="0"/>
+              <a:t>(xi[i] - </a:t>
+            </a:r>
+            <a:r>
+              <a:rPr lang="en-US" sz="800" dirty="0" err="1"/>
+              <a:t>xj</a:t>
+            </a:r>
+            <a:r>
+              <a:rPr lang="en-US" sz="800" dirty="0"/>
+              <a:t>[i]);</a:t>
+            </a:r>
+          </a:p>
+          <a:p>
+            <a:pPr marL="0" indent="0">
+              <a:lnSpc>
+                <a:spcPct val="70000"/>
+              </a:lnSpc>
+              <a:spcBef>
+                <a:spcPts val="0"/>
+              </a:spcBef>
+              <a:buNone/>
+            </a:pPr>
+            <a:r>
+              <a:rPr lang="en-US" sz="800" dirty="0"/>
+              <a:t>s *= scalar(</a:t>
+            </a:r>
+            <a:r>
+              <a:rPr lang="en-US" sz="800" dirty="0" err="1"/>
+              <a:t>xxj</a:t>
+            </a:r>
+            <a:r>
+              <a:rPr lang="en-US" sz="800" dirty="0"/>
+              <a:t>, </a:t>
+            </a:r>
+            <a:r>
+              <a:rPr lang="en-US" sz="800" dirty="0" err="1"/>
+              <a:t>xixj</a:t>
+            </a:r>
+            <a:r>
+              <a:rPr lang="en-US" sz="800" dirty="0"/>
+              <a:t>, dx) / scalar(</a:t>
+            </a:r>
+            <a:r>
+              <a:rPr lang="en-US" sz="800" dirty="0" err="1"/>
+              <a:t>xixj</a:t>
+            </a:r>
+            <a:r>
+              <a:rPr lang="en-US" sz="800" dirty="0"/>
+              <a:t>, </a:t>
+            </a:r>
+            <a:r>
+              <a:rPr lang="en-US" sz="800" dirty="0" err="1"/>
+              <a:t>xixj</a:t>
+            </a:r>
+            <a:r>
+              <a:rPr lang="en-US" sz="800" dirty="0"/>
+              <a:t>, dx);</a:t>
+            </a:r>
+          </a:p>
+          <a:p>
+            <a:pPr marL="0" indent="0">
+              <a:lnSpc>
+                <a:spcPct val="70000"/>
+              </a:lnSpc>
+              <a:spcBef>
+                <a:spcPts val="0"/>
+              </a:spcBef>
+              <a:buNone/>
+            </a:pPr>
+            <a:r>
+              <a:rPr lang="ru-RU" sz="800" dirty="0"/>
+              <a:t>}</a:t>
+            </a:r>
+          </a:p>
+          <a:p>
+            <a:pPr marL="0" indent="0">
+              <a:lnSpc>
+                <a:spcPct val="70000"/>
+              </a:lnSpc>
+              <a:spcBef>
+                <a:spcPts val="0"/>
+              </a:spcBef>
+              <a:buNone/>
+            </a:pPr>
+            <a:r>
+              <a:rPr lang="en-US" sz="800" dirty="0"/>
+              <a:t>y += s;</a:t>
+            </a:r>
+          </a:p>
+          <a:p>
+            <a:pPr marL="0" indent="0">
+              <a:lnSpc>
+                <a:spcPct val="70000"/>
+              </a:lnSpc>
+              <a:spcBef>
+                <a:spcPts val="0"/>
+              </a:spcBef>
+              <a:buNone/>
+            </a:pPr>
+            <a:r>
+              <a:rPr lang="ru-RU" sz="800" dirty="0"/>
+              <a:t>}</a:t>
+            </a:r>
+          </a:p>
+          <a:p>
+            <a:pPr marL="0" indent="0">
+              <a:lnSpc>
+                <a:spcPct val="70000"/>
+              </a:lnSpc>
+              <a:spcBef>
+                <a:spcPts val="0"/>
+              </a:spcBef>
+              <a:buNone/>
+            </a:pPr>
+            <a:r>
+              <a:rPr lang="en-US" sz="800" dirty="0"/>
+              <a:t>return y;</a:t>
+            </a:r>
+          </a:p>
+          <a:p>
+            <a:pPr marL="0" indent="0">
+              <a:lnSpc>
+                <a:spcPct val="70000"/>
+              </a:lnSpc>
+              <a:spcBef>
+                <a:spcPts val="0"/>
+              </a:spcBef>
+              <a:buNone/>
+            </a:pPr>
+            <a:r>
+              <a:rPr lang="ru-RU" sz="800" dirty="0"/>
+              <a:t>}</a:t>
+            </a:r>
+          </a:p>
+          <a:p>
+            <a:pPr marL="0" indent="0">
+              <a:lnSpc>
+                <a:spcPct val="70000"/>
+              </a:lnSpc>
+              <a:spcBef>
+                <a:spcPts val="0"/>
+              </a:spcBef>
+              <a:buNone/>
+            </a:pPr>
+            <a:endParaRPr lang="ru-RU" sz="800" dirty="0"/>
+          </a:p>
+          <a:p>
+            <a:pPr marL="0" indent="0">
+              <a:lnSpc>
+                <a:spcPct val="70000"/>
+              </a:lnSpc>
+              <a:spcBef>
+                <a:spcPts val="0"/>
+              </a:spcBef>
+              <a:buNone/>
+            </a:pPr>
+            <a:r>
+              <a:rPr lang="ru-RU" sz="800" dirty="0"/>
+              <a:t>/////////////////////////////////////////////////////////</a:t>
+            </a:r>
+          </a:p>
+          <a:p>
+            <a:pPr marL="0" indent="0">
+              <a:lnSpc>
+                <a:spcPct val="70000"/>
+              </a:lnSpc>
+              <a:spcBef>
+                <a:spcPts val="0"/>
+              </a:spcBef>
+              <a:buNone/>
+            </a:pPr>
+            <a:r>
+              <a:rPr lang="ru-RU" sz="800" dirty="0"/>
+              <a:t>// Дефолтные значения</a:t>
+            </a:r>
+          </a:p>
+          <a:p>
+            <a:pPr marL="0" indent="0">
+              <a:lnSpc>
+                <a:spcPct val="70000"/>
+              </a:lnSpc>
+              <a:spcBef>
+                <a:spcPts val="0"/>
+              </a:spcBef>
+              <a:buNone/>
+            </a:pPr>
+            <a:r>
+              <a:rPr lang="en-US" sz="800" dirty="0"/>
+              <a:t>static const int _p = 3;</a:t>
+            </a:r>
+          </a:p>
+          <a:p>
+            <a:pPr marL="0" indent="0">
+              <a:lnSpc>
+                <a:spcPct val="70000"/>
+              </a:lnSpc>
+              <a:spcBef>
+                <a:spcPts val="0"/>
+              </a:spcBef>
+              <a:buNone/>
+            </a:pPr>
+            <a:endParaRPr lang="ru-RU" sz="800" dirty="0"/>
+          </a:p>
+          <a:p>
+            <a:pPr marL="0" indent="0">
+              <a:lnSpc>
+                <a:spcPct val="70000"/>
+              </a:lnSpc>
+              <a:spcBef>
+                <a:spcPts val="0"/>
+              </a:spcBef>
+              <a:buNone/>
+            </a:pPr>
+            <a:r>
+              <a:rPr lang="en-US" sz="800" dirty="0"/>
+              <a:t>int main(int </a:t>
+            </a:r>
+            <a:r>
+              <a:rPr lang="en-US" sz="800" dirty="0" err="1"/>
+              <a:t>argc</a:t>
+            </a:r>
+            <a:r>
+              <a:rPr lang="en-US" sz="800" dirty="0"/>
+              <a:t>, char* </a:t>
+            </a:r>
+            <a:r>
+              <a:rPr lang="en-US" sz="800" dirty="0" err="1"/>
+              <a:t>argv</a:t>
+            </a:r>
+            <a:r>
+              <a:rPr lang="en-US" sz="800" dirty="0"/>
+              <a:t>[])</a:t>
+            </a:r>
+          </a:p>
+          <a:p>
+            <a:pPr marL="0" indent="0">
+              <a:lnSpc>
+                <a:spcPct val="70000"/>
+              </a:lnSpc>
+              <a:spcBef>
+                <a:spcPts val="0"/>
+              </a:spcBef>
+              <a:buNone/>
+            </a:pPr>
+            <a:r>
+              <a:rPr lang="ru-RU" sz="800" dirty="0"/>
+              <a:t>{</a:t>
+            </a:r>
+          </a:p>
+          <a:p>
+            <a:pPr marL="0" indent="0">
+              <a:lnSpc>
+                <a:spcPct val="70000"/>
+              </a:lnSpc>
+              <a:spcBef>
+                <a:spcPts val="0"/>
+              </a:spcBef>
+              <a:buNone/>
+            </a:pPr>
+            <a:r>
+              <a:rPr lang="en-US" sz="800" dirty="0" err="1"/>
+              <a:t>std</a:t>
+            </a:r>
+            <a:r>
+              <a:rPr lang="en-US" sz="800" dirty="0"/>
+              <a:t>::vector&lt;</a:t>
+            </a:r>
+            <a:r>
+              <a:rPr lang="en-US" sz="800" dirty="0" err="1"/>
+              <a:t>t_previous_result</a:t>
+            </a:r>
+            <a:r>
+              <a:rPr lang="en-US" sz="800" dirty="0"/>
+              <a:t>&gt; </a:t>
+            </a:r>
+            <a:r>
+              <a:rPr lang="en-US" sz="800" dirty="0" err="1"/>
+              <a:t>previous_results</a:t>
+            </a:r>
+            <a:r>
+              <a:rPr lang="en-US" sz="800" dirty="0"/>
+              <a:t>;</a:t>
+            </a:r>
+          </a:p>
+          <a:p>
+            <a:pPr marL="0" indent="0">
+              <a:lnSpc>
+                <a:spcPct val="70000"/>
+              </a:lnSpc>
+              <a:spcBef>
+                <a:spcPts val="0"/>
+              </a:spcBef>
+              <a:buNone/>
+            </a:pPr>
+            <a:r>
+              <a:rPr lang="en-US" sz="800" dirty="0" err="1"/>
+              <a:t>std</a:t>
+            </a:r>
+            <a:r>
+              <a:rPr lang="en-US" sz="800" dirty="0"/>
+              <a:t>::vector&lt;double&gt; dx;</a:t>
+            </a:r>
+          </a:p>
+          <a:p>
+            <a:pPr marL="0" indent="0">
+              <a:lnSpc>
+                <a:spcPct val="70000"/>
+              </a:lnSpc>
+              <a:spcBef>
+                <a:spcPts val="0"/>
+              </a:spcBef>
+              <a:buNone/>
+            </a:pPr>
+            <a:r>
+              <a:rPr lang="en-US" sz="800" dirty="0"/>
+              <a:t>char* </a:t>
+            </a:r>
+            <a:r>
+              <a:rPr lang="en-US" sz="800" dirty="0" err="1"/>
+              <a:t>input_file_name</a:t>
+            </a:r>
+            <a:r>
+              <a:rPr lang="en-US" sz="800" dirty="0"/>
+              <a:t> = </a:t>
+            </a:r>
+            <a:r>
+              <a:rPr lang="en-US" sz="800" dirty="0" err="1"/>
+              <a:t>nullptr</a:t>
+            </a:r>
+            <a:r>
+              <a:rPr lang="en-US" sz="800" dirty="0"/>
+              <a:t>;</a:t>
+            </a:r>
+          </a:p>
+          <a:p>
+            <a:pPr marL="0" indent="0">
+              <a:lnSpc>
+                <a:spcPct val="70000"/>
+              </a:lnSpc>
+              <a:spcBef>
+                <a:spcPts val="0"/>
+              </a:spcBef>
+              <a:buNone/>
+            </a:pPr>
+            <a:r>
+              <a:rPr lang="en-US" sz="800" dirty="0"/>
+              <a:t>char* </a:t>
+            </a:r>
+            <a:r>
+              <a:rPr lang="en-US" sz="800" dirty="0" err="1"/>
+              <a:t>output_file_name</a:t>
+            </a:r>
+            <a:r>
+              <a:rPr lang="en-US" sz="800" dirty="0"/>
+              <a:t> = </a:t>
+            </a:r>
+            <a:r>
+              <a:rPr lang="en-US" sz="800" dirty="0" err="1"/>
+              <a:t>nullptr</a:t>
+            </a:r>
+            <a:r>
+              <a:rPr lang="en-US" sz="800" dirty="0"/>
+              <a:t>;</a:t>
+            </a:r>
+          </a:p>
+          <a:p>
+            <a:pPr marL="0" indent="0">
+              <a:lnSpc>
+                <a:spcPct val="70000"/>
+              </a:lnSpc>
+              <a:spcBef>
+                <a:spcPts val="0"/>
+              </a:spcBef>
+              <a:buNone/>
+            </a:pPr>
+            <a:r>
+              <a:rPr lang="en-US" sz="800" dirty="0"/>
+              <a:t>char* </a:t>
+            </a:r>
+            <a:r>
+              <a:rPr lang="en-US" sz="800" dirty="0" err="1"/>
+              <a:t>previous_results_file_name</a:t>
+            </a:r>
+            <a:r>
+              <a:rPr lang="en-US" sz="800" dirty="0"/>
+              <a:t> = </a:t>
+            </a:r>
+            <a:r>
+              <a:rPr lang="en-US" sz="800" dirty="0" err="1"/>
+              <a:t>nullptr</a:t>
+            </a:r>
+            <a:r>
+              <a:rPr lang="en-US" sz="800" dirty="0"/>
+              <a:t>;</a:t>
+            </a:r>
+          </a:p>
+          <a:p>
+            <a:pPr marL="0" indent="0">
+              <a:lnSpc>
+                <a:spcPct val="70000"/>
+              </a:lnSpc>
+              <a:spcBef>
+                <a:spcPts val="0"/>
+              </a:spcBef>
+              <a:buNone/>
+            </a:pPr>
+            <a:r>
+              <a:rPr lang="en-US" sz="800" dirty="0"/>
+              <a:t>auto p = _p;</a:t>
+            </a:r>
+          </a:p>
+          <a:p>
+            <a:pPr marL="0" indent="0">
+              <a:lnSpc>
+                <a:spcPct val="70000"/>
+              </a:lnSpc>
+              <a:spcBef>
+                <a:spcPts val="0"/>
+              </a:spcBef>
+              <a:buNone/>
+            </a:pPr>
+            <a:r>
+              <a:rPr lang="en-US" sz="800" dirty="0" err="1"/>
+              <a:t>std</a:t>
+            </a:r>
+            <a:r>
+              <a:rPr lang="en-US" sz="800" dirty="0"/>
+              <a:t>::string line;</a:t>
+            </a:r>
+          </a:p>
+          <a:p>
+            <a:pPr marL="0" indent="0">
+              <a:lnSpc>
+                <a:spcPct val="70000"/>
+              </a:lnSpc>
+              <a:spcBef>
+                <a:spcPts val="0"/>
+              </a:spcBef>
+              <a:buNone/>
+            </a:pPr>
+            <a:endParaRPr lang="ru-RU" sz="800" dirty="0"/>
+          </a:p>
+          <a:p>
+            <a:pPr marL="0" indent="0">
+              <a:lnSpc>
+                <a:spcPct val="70000"/>
+              </a:lnSpc>
+              <a:spcBef>
+                <a:spcPts val="0"/>
+              </a:spcBef>
+              <a:buNone/>
+            </a:pPr>
+            <a:r>
+              <a:rPr lang="ru-RU" sz="800" dirty="0"/>
+              <a:t>// Поддержка кириллицы в консоли Windows</a:t>
+            </a:r>
+          </a:p>
+          <a:p>
+            <a:pPr marL="0" indent="0">
+              <a:lnSpc>
+                <a:spcPct val="70000"/>
+              </a:lnSpc>
+              <a:spcBef>
+                <a:spcPts val="0"/>
+              </a:spcBef>
+              <a:buNone/>
+            </a:pPr>
+            <a:r>
+              <a:rPr lang="ru-RU" sz="800" dirty="0"/>
+              <a:t>// Функция </a:t>
+            </a:r>
+            <a:r>
+              <a:rPr lang="ru-RU" sz="800" dirty="0" err="1"/>
+              <a:t>setlocale</a:t>
+            </a:r>
+            <a:r>
+              <a:rPr lang="ru-RU" sz="800" dirty="0"/>
+              <a:t>() имеет два параметра, первый параметр - тип категории </a:t>
+            </a:r>
+            <a:r>
+              <a:rPr lang="ru-RU" sz="800" dirty="0" err="1"/>
+              <a:t>локали</a:t>
+            </a:r>
+            <a:r>
+              <a:rPr lang="ru-RU" sz="800" dirty="0"/>
+              <a:t>, в нашем случае LC_TYPE - набор символов, второй параметр — значение </a:t>
+            </a:r>
+            <a:r>
+              <a:rPr lang="ru-RU" sz="800" dirty="0" err="1"/>
+              <a:t>локали</a:t>
+            </a:r>
+            <a:r>
+              <a:rPr lang="ru-RU" sz="800" dirty="0"/>
+              <a:t>. </a:t>
+            </a:r>
+          </a:p>
+          <a:p>
+            <a:pPr marL="0" indent="0">
+              <a:lnSpc>
+                <a:spcPct val="70000"/>
+              </a:lnSpc>
+              <a:spcBef>
+                <a:spcPts val="0"/>
+              </a:spcBef>
+              <a:buNone/>
+            </a:pPr>
+            <a:r>
+              <a:rPr lang="ru-RU" sz="800" dirty="0"/>
+              <a:t>// Вместо второго аргумента можно писать "</a:t>
+            </a:r>
+            <a:r>
+              <a:rPr lang="ru-RU" sz="800" dirty="0" err="1"/>
+              <a:t>Russian</a:t>
+            </a:r>
+            <a:r>
+              <a:rPr lang="ru-RU" sz="800" dirty="0"/>
+              <a:t>", или оставлять пустые двойные кавычки, тогда набор символов будет такой же как и в ОС.</a:t>
+            </a:r>
+          </a:p>
+          <a:p>
+            <a:pPr marL="0" indent="0">
+              <a:lnSpc>
+                <a:spcPct val="70000"/>
+              </a:lnSpc>
+              <a:spcBef>
+                <a:spcPts val="0"/>
+              </a:spcBef>
+              <a:buNone/>
+            </a:pPr>
+            <a:r>
+              <a:rPr lang="en-US" sz="800" dirty="0" err="1"/>
+              <a:t>setlocale</a:t>
+            </a:r>
+            <a:r>
+              <a:rPr lang="en-US" sz="800" dirty="0"/>
+              <a:t>(LC_ALL, "");</a:t>
+            </a:r>
+          </a:p>
+          <a:p>
+            <a:pPr marL="0" indent="0">
+              <a:lnSpc>
+                <a:spcPct val="70000"/>
+              </a:lnSpc>
+              <a:spcBef>
+                <a:spcPts val="0"/>
+              </a:spcBef>
+              <a:buNone/>
+            </a:pPr>
+            <a:endParaRPr lang="ru-RU" sz="800" dirty="0"/>
+          </a:p>
+          <a:p>
+            <a:pPr marL="0" indent="0">
+              <a:lnSpc>
+                <a:spcPct val="70000"/>
+              </a:lnSpc>
+              <a:spcBef>
+                <a:spcPts val="0"/>
+              </a:spcBef>
+              <a:buNone/>
+            </a:pPr>
+            <a:r>
+              <a:rPr lang="nn-NO" sz="800" dirty="0"/>
+              <a:t>for (auto i = 1; i &lt; argc; i++)</a:t>
+            </a:r>
+          </a:p>
+          <a:p>
+            <a:pPr marL="0" indent="0">
+              <a:lnSpc>
+                <a:spcPct val="70000"/>
+              </a:lnSpc>
+              <a:spcBef>
+                <a:spcPts val="0"/>
+              </a:spcBef>
+              <a:buNone/>
+            </a:pPr>
+            <a:r>
+              <a:rPr lang="ru-RU" sz="800" dirty="0"/>
+              <a:t>{</a:t>
+            </a:r>
+          </a:p>
+          <a:p>
+            <a:pPr marL="0" indent="0">
+              <a:lnSpc>
+                <a:spcPct val="70000"/>
+              </a:lnSpc>
+              <a:spcBef>
+                <a:spcPts val="0"/>
+              </a:spcBef>
+              <a:buNone/>
+            </a:pPr>
+            <a:r>
+              <a:rPr lang="en-US" sz="800" dirty="0"/>
+              <a:t>if (</a:t>
+            </a:r>
+            <a:r>
+              <a:rPr lang="en-US" sz="800" dirty="0" err="1"/>
+              <a:t>strcmp</a:t>
+            </a:r>
+            <a:r>
+              <a:rPr lang="en-US" sz="800" dirty="0"/>
+              <a:t>(</a:t>
+            </a:r>
+            <a:r>
+              <a:rPr lang="en-US" sz="800" dirty="0" err="1"/>
+              <a:t>argv</a:t>
+            </a:r>
+            <a:r>
+              <a:rPr lang="en-US" sz="800" dirty="0"/>
+              <a:t>[i], "-help") == 0)</a:t>
+            </a:r>
+          </a:p>
+          <a:p>
+            <a:pPr marL="0" indent="0">
+              <a:lnSpc>
+                <a:spcPct val="70000"/>
+              </a:lnSpc>
+              <a:spcBef>
+                <a:spcPts val="0"/>
+              </a:spcBef>
+              <a:buNone/>
+            </a:pPr>
+            <a:r>
+              <a:rPr lang="ru-RU" sz="800" dirty="0"/>
+              <a:t>{</a:t>
+            </a:r>
+          </a:p>
+          <a:p>
+            <a:pPr marL="0" indent="0">
+              <a:lnSpc>
+                <a:spcPct val="70000"/>
+              </a:lnSpc>
+              <a:spcBef>
+                <a:spcPts val="0"/>
+              </a:spcBef>
+              <a:buNone/>
+            </a:pPr>
+            <a:r>
+              <a:rPr lang="en-US" sz="800" dirty="0" err="1"/>
+              <a:t>std</a:t>
+            </a:r>
+            <a:r>
+              <a:rPr lang="en-US" sz="800" dirty="0"/>
+              <a:t>::</a:t>
+            </a:r>
+            <a:r>
+              <a:rPr lang="en-US" sz="800" dirty="0" err="1"/>
+              <a:t>cout</a:t>
+            </a:r>
+            <a:r>
+              <a:rPr lang="en-US" sz="800" dirty="0"/>
+              <a:t> &lt;&lt; "Usage :\t" &lt;&lt; </a:t>
+            </a:r>
+            <a:r>
+              <a:rPr lang="en-US" sz="800" dirty="0" err="1"/>
+              <a:t>argv</a:t>
+            </a:r>
+            <a:r>
+              <a:rPr lang="en-US" sz="800" dirty="0"/>
+              <a:t>[0] &lt;&lt; " [-input &lt;</a:t>
+            </a:r>
+            <a:r>
+              <a:rPr lang="en-US" sz="800" dirty="0" err="1"/>
+              <a:t>inputfile</a:t>
+            </a:r>
+            <a:r>
+              <a:rPr lang="en-US" sz="800" dirty="0"/>
+              <a:t>&gt;] [-output &lt;</a:t>
+            </a:r>
+            <a:r>
+              <a:rPr lang="en-US" sz="800" dirty="0" err="1"/>
+              <a:t>outputfile</a:t>
+            </a:r>
+            <a:r>
+              <a:rPr lang="en-US" sz="800" dirty="0"/>
+              <a:t>&gt;] [...]" &lt;&lt; </a:t>
+            </a:r>
+            <a:r>
+              <a:rPr lang="en-US" sz="800" dirty="0" err="1"/>
+              <a:t>std</a:t>
+            </a:r>
+            <a:r>
+              <a:rPr lang="en-US" sz="800" dirty="0"/>
+              <a:t>::</a:t>
+            </a:r>
+            <a:r>
+              <a:rPr lang="en-US" sz="800" dirty="0" err="1"/>
+              <a:t>endl</a:t>
+            </a:r>
+            <a:r>
+              <a:rPr lang="en-US" sz="800" dirty="0"/>
+              <a:t>;</a:t>
+            </a:r>
+          </a:p>
+          <a:p>
+            <a:pPr marL="0" indent="0">
+              <a:lnSpc>
+                <a:spcPct val="70000"/>
+              </a:lnSpc>
+              <a:spcBef>
+                <a:spcPts val="0"/>
+              </a:spcBef>
+              <a:buNone/>
+            </a:pPr>
+            <a:r>
+              <a:rPr lang="ru-RU" sz="800" dirty="0"/>
+              <a:t>}</a:t>
+            </a:r>
+          </a:p>
+          <a:p>
+            <a:pPr marL="0" indent="0">
+              <a:lnSpc>
+                <a:spcPct val="70000"/>
+              </a:lnSpc>
+              <a:spcBef>
+                <a:spcPts val="0"/>
+              </a:spcBef>
+              <a:buNone/>
+            </a:pPr>
+            <a:r>
+              <a:rPr lang="en-US" sz="800" dirty="0"/>
+              <a:t>else if (</a:t>
+            </a:r>
+            <a:r>
+              <a:rPr lang="en-US" sz="800" dirty="0" err="1"/>
+              <a:t>strcmp</a:t>
+            </a:r>
+            <a:r>
+              <a:rPr lang="en-US" sz="800" dirty="0"/>
+              <a:t>(</a:t>
+            </a:r>
+            <a:r>
+              <a:rPr lang="en-US" sz="800" dirty="0" err="1"/>
+              <a:t>argv</a:t>
+            </a:r>
+            <a:r>
+              <a:rPr lang="en-US" sz="800" dirty="0"/>
+              <a:t>[i], "-input") == 0) </a:t>
+            </a:r>
+            <a:r>
+              <a:rPr lang="en-US" sz="800" dirty="0" err="1"/>
+              <a:t>input_file_name</a:t>
+            </a:r>
+            <a:r>
+              <a:rPr lang="en-US" sz="800" dirty="0"/>
+              <a:t> = </a:t>
+            </a:r>
+            <a:r>
+              <a:rPr lang="en-US" sz="800" dirty="0" err="1"/>
+              <a:t>argv</a:t>
+            </a:r>
+            <a:r>
+              <a:rPr lang="en-US" sz="800" dirty="0"/>
+              <a:t>[++i];</a:t>
+            </a:r>
+          </a:p>
+          <a:p>
+            <a:pPr marL="0" indent="0">
+              <a:lnSpc>
+                <a:spcPct val="70000"/>
+              </a:lnSpc>
+              <a:spcBef>
+                <a:spcPts val="0"/>
+              </a:spcBef>
+              <a:buNone/>
+            </a:pPr>
+            <a:r>
+              <a:rPr lang="en-US" sz="800" dirty="0"/>
+              <a:t>else if (</a:t>
+            </a:r>
+            <a:r>
+              <a:rPr lang="en-US" sz="800" dirty="0" err="1"/>
+              <a:t>strcmp</a:t>
+            </a:r>
+            <a:r>
+              <a:rPr lang="en-US" sz="800" dirty="0"/>
+              <a:t>(</a:t>
+            </a:r>
+            <a:r>
+              <a:rPr lang="en-US" sz="800" dirty="0" err="1"/>
+              <a:t>argv</a:t>
+            </a:r>
+            <a:r>
+              <a:rPr lang="en-US" sz="800" dirty="0"/>
+              <a:t>[i], "-output") == 0) </a:t>
+            </a:r>
+            <a:r>
+              <a:rPr lang="en-US" sz="800" dirty="0" err="1"/>
+              <a:t>output_file_name</a:t>
+            </a:r>
+            <a:r>
+              <a:rPr lang="en-US" sz="800" dirty="0"/>
+              <a:t> = </a:t>
+            </a:r>
+            <a:r>
+              <a:rPr lang="en-US" sz="800" dirty="0" err="1"/>
+              <a:t>argv</a:t>
+            </a:r>
+            <a:r>
+              <a:rPr lang="en-US" sz="800" dirty="0"/>
+              <a:t>[++i];</a:t>
+            </a:r>
+          </a:p>
+          <a:p>
+            <a:pPr marL="0" indent="0">
+              <a:lnSpc>
+                <a:spcPct val="70000"/>
+              </a:lnSpc>
+              <a:spcBef>
+                <a:spcPts val="0"/>
+              </a:spcBef>
+              <a:buNone/>
+            </a:pPr>
+            <a:r>
+              <a:rPr lang="en-US" sz="800" dirty="0"/>
+              <a:t>else if (</a:t>
+            </a:r>
+            <a:r>
+              <a:rPr lang="en-US" sz="800" dirty="0" err="1"/>
+              <a:t>strcmp</a:t>
+            </a:r>
+            <a:r>
+              <a:rPr lang="en-US" sz="800" dirty="0"/>
+              <a:t>(</a:t>
+            </a:r>
+            <a:r>
+              <a:rPr lang="en-US" sz="800" dirty="0" err="1"/>
+              <a:t>argv</a:t>
+            </a:r>
+            <a:r>
+              <a:rPr lang="en-US" sz="800" dirty="0"/>
+              <a:t>[i], "-history") == 0) </a:t>
+            </a:r>
+            <a:r>
+              <a:rPr lang="en-US" sz="800" dirty="0" err="1"/>
+              <a:t>previous_results_file_name</a:t>
+            </a:r>
+            <a:r>
+              <a:rPr lang="en-US" sz="800" dirty="0"/>
+              <a:t> = </a:t>
+            </a:r>
+            <a:r>
+              <a:rPr lang="en-US" sz="800" dirty="0" err="1"/>
+              <a:t>argv</a:t>
+            </a:r>
+            <a:r>
+              <a:rPr lang="en-US" sz="800" dirty="0"/>
+              <a:t>[++i];</a:t>
+            </a:r>
+          </a:p>
+          <a:p>
+            <a:pPr marL="0" indent="0">
+              <a:lnSpc>
+                <a:spcPct val="70000"/>
+              </a:lnSpc>
+              <a:spcBef>
+                <a:spcPts val="0"/>
+              </a:spcBef>
+              <a:buNone/>
+            </a:pPr>
+            <a:r>
+              <a:rPr lang="da-DK" sz="800" dirty="0"/>
+              <a:t>else if (strcmp(argv[i], "-p") == 0) p = atoi(argv[++i]);</a:t>
+            </a:r>
+          </a:p>
+          <a:p>
+            <a:pPr marL="0" indent="0">
+              <a:lnSpc>
+                <a:spcPct val="70000"/>
+              </a:lnSpc>
+              <a:spcBef>
+                <a:spcPts val="0"/>
+              </a:spcBef>
+              <a:buNone/>
+            </a:pPr>
+            <a:r>
+              <a:rPr lang="ru-RU" sz="800" dirty="0"/>
+              <a:t>}</a:t>
+            </a:r>
+          </a:p>
+          <a:p>
+            <a:pPr marL="0" indent="0">
+              <a:lnSpc>
+                <a:spcPct val="70000"/>
+              </a:lnSpc>
+              <a:spcBef>
+                <a:spcPts val="0"/>
+              </a:spcBef>
+              <a:buNone/>
+            </a:pPr>
+            <a:endParaRPr lang="ru-RU" sz="800" dirty="0"/>
+          </a:p>
+          <a:p>
+            <a:pPr marL="0" indent="0">
+              <a:lnSpc>
+                <a:spcPct val="70000"/>
+              </a:lnSpc>
+              <a:spcBef>
+                <a:spcPts val="0"/>
+              </a:spcBef>
+              <a:buNone/>
+            </a:pPr>
+            <a:r>
+              <a:rPr lang="en-US" sz="800" dirty="0"/>
+              <a:t>if (</a:t>
+            </a:r>
+            <a:r>
+              <a:rPr lang="en-US" sz="800" dirty="0" err="1"/>
+              <a:t>input_file_name</a:t>
+            </a:r>
+            <a:r>
+              <a:rPr lang="en-US" sz="800" dirty="0"/>
+              <a:t> != </a:t>
+            </a:r>
+            <a:r>
+              <a:rPr lang="en-US" sz="800" dirty="0" err="1"/>
+              <a:t>nullptr</a:t>
+            </a:r>
+            <a:r>
+              <a:rPr lang="en-US" sz="800" dirty="0"/>
+              <a:t>) </a:t>
+            </a:r>
+            <a:r>
+              <a:rPr lang="en-US" sz="800" dirty="0" err="1"/>
+              <a:t>freopen</a:t>
+            </a:r>
+            <a:r>
+              <a:rPr lang="en-US" sz="800" dirty="0"/>
+              <a:t>(</a:t>
+            </a:r>
+            <a:r>
+              <a:rPr lang="en-US" sz="800" dirty="0" err="1"/>
+              <a:t>input_file_name</a:t>
+            </a:r>
+            <a:r>
+              <a:rPr lang="en-US" sz="800" dirty="0"/>
+              <a:t>, "r", </a:t>
+            </a:r>
+            <a:r>
+              <a:rPr lang="en-US" sz="800" dirty="0" err="1"/>
+              <a:t>stdin</a:t>
+            </a:r>
+            <a:r>
+              <a:rPr lang="en-US" sz="800" dirty="0"/>
+              <a:t>);</a:t>
+            </a:r>
+          </a:p>
+          <a:p>
+            <a:pPr marL="0" indent="0">
+              <a:lnSpc>
+                <a:spcPct val="70000"/>
+              </a:lnSpc>
+              <a:spcBef>
+                <a:spcPts val="0"/>
+              </a:spcBef>
+              <a:buNone/>
+            </a:pPr>
+            <a:r>
+              <a:rPr lang="en-US" sz="800" dirty="0"/>
+              <a:t>if (</a:t>
+            </a:r>
+            <a:r>
+              <a:rPr lang="en-US" sz="800" dirty="0" err="1"/>
+              <a:t>output_file_name</a:t>
+            </a:r>
+            <a:r>
+              <a:rPr lang="en-US" sz="800" dirty="0"/>
+              <a:t> != </a:t>
+            </a:r>
+            <a:r>
+              <a:rPr lang="en-US" sz="800" dirty="0" err="1"/>
+              <a:t>nullptr</a:t>
+            </a:r>
+            <a:r>
+              <a:rPr lang="en-US" sz="800" dirty="0"/>
+              <a:t>) </a:t>
+            </a:r>
+            <a:r>
+              <a:rPr lang="en-US" sz="800" dirty="0" err="1"/>
+              <a:t>freopen</a:t>
+            </a:r>
+            <a:r>
+              <a:rPr lang="en-US" sz="800" dirty="0"/>
+              <a:t>(</a:t>
+            </a:r>
+            <a:r>
+              <a:rPr lang="en-US" sz="800" dirty="0" err="1"/>
+              <a:t>output_file_name</a:t>
+            </a:r>
+            <a:r>
+              <a:rPr lang="en-US" sz="800" dirty="0"/>
+              <a:t>, "w", </a:t>
+            </a:r>
+            <a:r>
+              <a:rPr lang="en-US" sz="800" dirty="0" err="1"/>
+              <a:t>stdout</a:t>
+            </a:r>
+            <a:r>
+              <a:rPr lang="en-US" sz="800" dirty="0"/>
+              <a:t>);</a:t>
+            </a:r>
+          </a:p>
+          <a:p>
+            <a:pPr marL="0" indent="0">
+              <a:lnSpc>
+                <a:spcPct val="70000"/>
+              </a:lnSpc>
+              <a:spcBef>
+                <a:spcPts val="0"/>
+              </a:spcBef>
+              <a:buNone/>
+            </a:pPr>
+            <a:r>
+              <a:rPr lang="en-US" sz="800" dirty="0"/>
+              <a:t>if (</a:t>
+            </a:r>
+            <a:r>
+              <a:rPr lang="en-US" sz="800" dirty="0" err="1"/>
+              <a:t>previous_results_file_name</a:t>
+            </a:r>
+            <a:r>
+              <a:rPr lang="en-US" sz="800" dirty="0"/>
+              <a:t> != </a:t>
+            </a:r>
+            <a:r>
+              <a:rPr lang="en-US" sz="800" dirty="0" err="1"/>
+              <a:t>nullptr</a:t>
+            </a:r>
+            <a:r>
+              <a:rPr lang="en-US" sz="800" dirty="0"/>
+              <a:t>)</a:t>
+            </a:r>
+          </a:p>
+          <a:p>
+            <a:pPr marL="0" indent="0">
+              <a:lnSpc>
+                <a:spcPct val="70000"/>
+              </a:lnSpc>
+              <a:spcBef>
+                <a:spcPts val="0"/>
+              </a:spcBef>
+              <a:buNone/>
+            </a:pPr>
+            <a:r>
+              <a:rPr lang="ru-RU" sz="800" dirty="0"/>
+              <a:t>{</a:t>
+            </a:r>
+          </a:p>
+          <a:p>
+            <a:pPr marL="0" indent="0">
+              <a:lnSpc>
+                <a:spcPct val="70000"/>
+              </a:lnSpc>
+              <a:spcBef>
+                <a:spcPts val="0"/>
+              </a:spcBef>
+              <a:buNone/>
+            </a:pPr>
+            <a:r>
+              <a:rPr lang="en-US" sz="800" dirty="0" err="1"/>
+              <a:t>std</a:t>
+            </a:r>
+            <a:r>
+              <a:rPr lang="en-US" sz="800" dirty="0"/>
+              <a:t>::vector&lt;double&gt; m1;</a:t>
+            </a:r>
+          </a:p>
+          <a:p>
+            <a:pPr marL="0" indent="0">
+              <a:lnSpc>
+                <a:spcPct val="70000"/>
+              </a:lnSpc>
+              <a:spcBef>
+                <a:spcPts val="0"/>
+              </a:spcBef>
+              <a:buNone/>
+            </a:pPr>
+            <a:r>
+              <a:rPr lang="en-US" sz="800" dirty="0" err="1"/>
+              <a:t>std</a:t>
+            </a:r>
+            <a:r>
+              <a:rPr lang="en-US" sz="800" dirty="0"/>
+              <a:t>::vector&lt;double&gt; m2;</a:t>
+            </a:r>
+          </a:p>
+          <a:p>
+            <a:pPr marL="0" indent="0">
+              <a:lnSpc>
+                <a:spcPct val="70000"/>
+              </a:lnSpc>
+              <a:spcBef>
+                <a:spcPts val="0"/>
+              </a:spcBef>
+              <a:buNone/>
+            </a:pPr>
+            <a:r>
+              <a:rPr lang="en-US" sz="800" dirty="0" err="1"/>
+              <a:t>std</a:t>
+            </a:r>
+            <a:r>
+              <a:rPr lang="en-US" sz="800" dirty="0"/>
+              <a:t>::</a:t>
+            </a:r>
+            <a:r>
+              <a:rPr lang="en-US" sz="800" dirty="0" err="1"/>
+              <a:t>ifstream</a:t>
+            </a:r>
+            <a:r>
+              <a:rPr lang="en-US" sz="800" dirty="0"/>
+              <a:t> history(</a:t>
+            </a:r>
+            <a:r>
+              <a:rPr lang="en-US" sz="800" dirty="0" err="1"/>
+              <a:t>previous_results_file_name</a:t>
+            </a:r>
+            <a:r>
+              <a:rPr lang="en-US" sz="800" dirty="0"/>
+              <a:t>);</a:t>
+            </a:r>
+          </a:p>
+          <a:p>
+            <a:pPr marL="0" indent="0">
+              <a:lnSpc>
+                <a:spcPct val="70000"/>
+              </a:lnSpc>
+              <a:spcBef>
+                <a:spcPts val="0"/>
+              </a:spcBef>
+              <a:buNone/>
+            </a:pPr>
+            <a:r>
+              <a:rPr lang="en-US" sz="800" dirty="0"/>
+              <a:t>if (!</a:t>
+            </a:r>
+            <a:r>
+              <a:rPr lang="en-US" sz="800" dirty="0" err="1"/>
+              <a:t>history.is_open</a:t>
+            </a:r>
+            <a:r>
+              <a:rPr lang="en-US" sz="800" dirty="0"/>
+              <a:t>()) throw "Error opening file";</a:t>
+            </a:r>
+          </a:p>
+          <a:p>
+            <a:pPr marL="0" indent="0">
+              <a:lnSpc>
+                <a:spcPct val="70000"/>
+              </a:lnSpc>
+              <a:spcBef>
+                <a:spcPts val="0"/>
+              </a:spcBef>
+              <a:buNone/>
+            </a:pPr>
+            <a:r>
+              <a:rPr lang="en-US" sz="800" dirty="0"/>
+              <a:t>while (</a:t>
+            </a:r>
+            <a:r>
+              <a:rPr lang="en-US" sz="800" dirty="0" err="1"/>
+              <a:t>std</a:t>
+            </a:r>
+            <a:r>
+              <a:rPr lang="en-US" sz="800" dirty="0"/>
+              <a:t>::</a:t>
+            </a:r>
+            <a:r>
+              <a:rPr lang="en-US" sz="800" dirty="0" err="1"/>
+              <a:t>getline</a:t>
+            </a:r>
+            <a:r>
+              <a:rPr lang="en-US" sz="800" dirty="0"/>
+              <a:t>(history, line))</a:t>
+            </a:r>
+          </a:p>
+          <a:p>
+            <a:pPr marL="0" indent="0">
+              <a:lnSpc>
+                <a:spcPct val="70000"/>
+              </a:lnSpc>
+              <a:spcBef>
+                <a:spcPts val="0"/>
+              </a:spcBef>
+              <a:buNone/>
+            </a:pPr>
+            <a:r>
+              <a:rPr lang="ru-RU" sz="800" dirty="0"/>
+              <a:t>{</a:t>
+            </a:r>
+          </a:p>
+          <a:p>
+            <a:pPr marL="0" indent="0">
+              <a:lnSpc>
+                <a:spcPct val="70000"/>
+              </a:lnSpc>
+              <a:spcBef>
+                <a:spcPts val="0"/>
+              </a:spcBef>
+              <a:buNone/>
+            </a:pPr>
+            <a:r>
+              <a:rPr lang="en-US" sz="800" dirty="0" err="1"/>
+              <a:t>std</a:t>
+            </a:r>
+            <a:r>
+              <a:rPr lang="en-US" sz="800" dirty="0"/>
+              <a:t>::</a:t>
+            </a:r>
+            <a:r>
+              <a:rPr lang="en-US" sz="800" dirty="0" err="1"/>
+              <a:t>stringstream</a:t>
+            </a:r>
+            <a:r>
+              <a:rPr lang="en-US" sz="800" dirty="0"/>
+              <a:t> </a:t>
+            </a:r>
+            <a:r>
+              <a:rPr lang="en-US" sz="800" dirty="0" err="1"/>
+              <a:t>ss</a:t>
+            </a:r>
+            <a:r>
+              <a:rPr lang="en-US" sz="800" dirty="0"/>
+              <a:t>(line);</a:t>
+            </a:r>
+          </a:p>
+          <a:p>
+            <a:pPr marL="0" indent="0">
+              <a:lnSpc>
+                <a:spcPct val="70000"/>
+              </a:lnSpc>
+              <a:spcBef>
+                <a:spcPts val="0"/>
+              </a:spcBef>
+              <a:buNone/>
+            </a:pPr>
+            <a:r>
+              <a:rPr lang="en-US" sz="800" dirty="0" err="1"/>
+              <a:t>std</a:t>
+            </a:r>
+            <a:r>
+              <a:rPr lang="en-US" sz="800" dirty="0"/>
+              <a:t>::vector&lt;double&gt; x;</a:t>
+            </a:r>
+          </a:p>
+          <a:p>
+            <a:pPr marL="0" indent="0">
+              <a:lnSpc>
+                <a:spcPct val="70000"/>
+              </a:lnSpc>
+              <a:spcBef>
+                <a:spcPts val="0"/>
+              </a:spcBef>
+              <a:buNone/>
+            </a:pPr>
+            <a:r>
+              <a:rPr lang="en-US" sz="800" dirty="0" err="1"/>
+              <a:t>std</a:t>
+            </a:r>
+            <a:r>
+              <a:rPr lang="en-US" sz="800" dirty="0"/>
+              <a:t>::copy(</a:t>
+            </a:r>
+            <a:r>
+              <a:rPr lang="en-US" sz="800" dirty="0" err="1"/>
+              <a:t>std</a:t>
+            </a:r>
+            <a:r>
+              <a:rPr lang="en-US" sz="800" dirty="0"/>
+              <a:t>::</a:t>
+            </a:r>
+            <a:r>
+              <a:rPr lang="en-US" sz="800" dirty="0" err="1"/>
+              <a:t>istream_iterator</a:t>
+            </a:r>
+            <a:r>
+              <a:rPr lang="en-US" sz="800" dirty="0"/>
+              <a:t>&lt;double&gt;(</a:t>
+            </a:r>
+            <a:r>
+              <a:rPr lang="en-US" sz="800" dirty="0" err="1"/>
+              <a:t>ss</a:t>
+            </a:r>
+            <a:r>
+              <a:rPr lang="en-US" sz="800" dirty="0"/>
+              <a:t>), </a:t>
+            </a:r>
+            <a:r>
+              <a:rPr lang="en-US" sz="800" dirty="0" err="1"/>
+              <a:t>std</a:t>
+            </a:r>
+            <a:r>
+              <a:rPr lang="en-US" sz="800" dirty="0"/>
+              <a:t>::</a:t>
+            </a:r>
+            <a:r>
+              <a:rPr lang="en-US" sz="800" dirty="0" err="1"/>
+              <a:t>istream_iterator</a:t>
+            </a:r>
+            <a:r>
+              <a:rPr lang="en-US" sz="800" dirty="0"/>
+              <a:t>&lt;double&gt;(),</a:t>
+            </a:r>
+          </a:p>
+          <a:p>
+            <a:pPr marL="0" indent="0">
+              <a:lnSpc>
+                <a:spcPct val="70000"/>
+              </a:lnSpc>
+              <a:spcBef>
+                <a:spcPts val="0"/>
+              </a:spcBef>
+              <a:buNone/>
+            </a:pPr>
+            <a:r>
+              <a:rPr lang="en-US" sz="800" dirty="0" err="1"/>
+              <a:t>std</a:t>
+            </a:r>
+            <a:r>
+              <a:rPr lang="en-US" sz="800" dirty="0"/>
+              <a:t>::</a:t>
+            </a:r>
+            <a:r>
+              <a:rPr lang="en-US" sz="800" dirty="0" err="1"/>
+              <a:t>back_inserter</a:t>
+            </a:r>
+            <a:r>
+              <a:rPr lang="en-US" sz="800" dirty="0"/>
+              <a:t>(x));</a:t>
+            </a:r>
+          </a:p>
+          <a:p>
+            <a:pPr marL="0" indent="0">
+              <a:lnSpc>
+                <a:spcPct val="70000"/>
+              </a:lnSpc>
+              <a:spcBef>
+                <a:spcPts val="0"/>
+              </a:spcBef>
+              <a:buNone/>
+            </a:pPr>
+            <a:r>
+              <a:rPr lang="en-US" sz="800" dirty="0"/>
+              <a:t>auto y = </a:t>
+            </a:r>
+            <a:r>
+              <a:rPr lang="en-US" sz="800" dirty="0" err="1"/>
+              <a:t>x.back</a:t>
+            </a:r>
+            <a:r>
+              <a:rPr lang="en-US" sz="800" dirty="0"/>
+              <a:t>();</a:t>
+            </a:r>
+          </a:p>
+          <a:p>
+            <a:pPr marL="0" indent="0">
+              <a:lnSpc>
+                <a:spcPct val="70000"/>
+              </a:lnSpc>
+              <a:spcBef>
+                <a:spcPts val="0"/>
+              </a:spcBef>
+              <a:buNone/>
+            </a:pPr>
+            <a:r>
+              <a:rPr lang="en-US" sz="800" dirty="0" err="1"/>
+              <a:t>x.pop_back</a:t>
+            </a:r>
+            <a:r>
+              <a:rPr lang="en-US" sz="800" dirty="0"/>
+              <a:t>();</a:t>
+            </a:r>
+          </a:p>
+          <a:p>
+            <a:pPr marL="0" indent="0">
+              <a:lnSpc>
+                <a:spcPct val="70000"/>
+              </a:lnSpc>
+              <a:spcBef>
+                <a:spcPts val="0"/>
+              </a:spcBef>
+              <a:buNone/>
+            </a:pPr>
+            <a:r>
+              <a:rPr lang="en-US" sz="800" dirty="0" err="1"/>
+              <a:t>t_previous_result</a:t>
+            </a:r>
+            <a:r>
+              <a:rPr lang="en-US" sz="800" dirty="0"/>
+              <a:t> </a:t>
+            </a:r>
+            <a:r>
+              <a:rPr lang="en-US" sz="800" dirty="0" err="1"/>
+              <a:t>previous_result</a:t>
+            </a:r>
+            <a:r>
+              <a:rPr lang="en-US" sz="800" dirty="0"/>
+              <a:t>;</a:t>
+            </a:r>
+          </a:p>
+          <a:p>
+            <a:pPr marL="0" indent="0">
+              <a:lnSpc>
+                <a:spcPct val="70000"/>
+              </a:lnSpc>
+              <a:spcBef>
+                <a:spcPts val="0"/>
+              </a:spcBef>
+              <a:buNone/>
+            </a:pPr>
+            <a:r>
+              <a:rPr lang="en-US" sz="800" dirty="0" err="1"/>
+              <a:t>previous_result.x</a:t>
+            </a:r>
+            <a:r>
+              <a:rPr lang="en-US" sz="800" dirty="0"/>
+              <a:t> = x;</a:t>
+            </a:r>
+          </a:p>
+          <a:p>
+            <a:pPr marL="0" indent="0">
+              <a:lnSpc>
+                <a:spcPct val="70000"/>
+              </a:lnSpc>
+              <a:spcBef>
+                <a:spcPts val="0"/>
+              </a:spcBef>
+              <a:buNone/>
+            </a:pPr>
+            <a:r>
+              <a:rPr lang="en-US" sz="800" dirty="0" err="1"/>
+              <a:t>previous_result.y</a:t>
+            </a:r>
+            <a:r>
+              <a:rPr lang="en-US" sz="800" dirty="0"/>
+              <a:t> = y;</a:t>
+            </a:r>
+          </a:p>
+          <a:p>
+            <a:pPr marL="0" indent="0">
+              <a:lnSpc>
+                <a:spcPct val="70000"/>
+              </a:lnSpc>
+              <a:spcBef>
+                <a:spcPts val="0"/>
+              </a:spcBef>
+              <a:buNone/>
+            </a:pPr>
+            <a:r>
+              <a:rPr lang="en-US" sz="800" dirty="0" err="1"/>
+              <a:t>previous_results.push_back</a:t>
+            </a:r>
+            <a:r>
+              <a:rPr lang="en-US" sz="800" dirty="0"/>
+              <a:t>(</a:t>
+            </a:r>
+            <a:r>
+              <a:rPr lang="en-US" sz="800" dirty="0" err="1"/>
+              <a:t>previous_result</a:t>
+            </a:r>
+            <a:r>
+              <a:rPr lang="en-US" sz="800" dirty="0"/>
+              <a:t>);</a:t>
+            </a:r>
+          </a:p>
+          <a:p>
+            <a:pPr marL="0" indent="0">
+              <a:lnSpc>
+                <a:spcPct val="70000"/>
+              </a:lnSpc>
+              <a:spcBef>
+                <a:spcPts val="0"/>
+              </a:spcBef>
+              <a:buNone/>
+            </a:pPr>
+            <a:r>
+              <a:rPr lang="nn-NO" sz="800" dirty="0"/>
+              <a:t>for (auto i = 0; i &lt; x.size(); i++)</a:t>
+            </a:r>
+          </a:p>
+          <a:p>
+            <a:pPr marL="0" indent="0">
+              <a:lnSpc>
+                <a:spcPct val="70000"/>
+              </a:lnSpc>
+              <a:spcBef>
+                <a:spcPts val="0"/>
+              </a:spcBef>
+              <a:buNone/>
+            </a:pPr>
+            <a:r>
+              <a:rPr lang="ru-RU" sz="800" dirty="0"/>
+              <a:t>{</a:t>
+            </a:r>
+          </a:p>
+          <a:p>
+            <a:pPr marL="0" indent="0">
+              <a:lnSpc>
+                <a:spcPct val="70000"/>
+              </a:lnSpc>
+              <a:spcBef>
+                <a:spcPts val="0"/>
+              </a:spcBef>
+              <a:buNone/>
+            </a:pPr>
+            <a:r>
+              <a:rPr lang="en-US" sz="800" dirty="0"/>
+              <a:t>if (i &gt;= m1.size()) m1.push_back(0.0);</a:t>
+            </a:r>
+          </a:p>
+          <a:p>
+            <a:pPr marL="0" indent="0">
+              <a:lnSpc>
+                <a:spcPct val="70000"/>
+              </a:lnSpc>
+              <a:spcBef>
+                <a:spcPts val="0"/>
+              </a:spcBef>
+              <a:buNone/>
+            </a:pPr>
+            <a:r>
+              <a:rPr lang="en-US" sz="800" dirty="0"/>
+              <a:t>if (i &gt;= m2.size()) m2.push_back(0.0);</a:t>
+            </a:r>
+          </a:p>
+          <a:p>
+            <a:pPr marL="0" indent="0">
+              <a:lnSpc>
+                <a:spcPct val="70000"/>
+              </a:lnSpc>
+              <a:spcBef>
+                <a:spcPts val="0"/>
+              </a:spcBef>
+              <a:buNone/>
+            </a:pPr>
+            <a:r>
+              <a:rPr lang="en-US" sz="800" dirty="0"/>
+              <a:t>m1[i] += x[i];</a:t>
+            </a:r>
+          </a:p>
+          <a:p>
+            <a:pPr marL="0" indent="0">
+              <a:lnSpc>
+                <a:spcPct val="70000"/>
+              </a:lnSpc>
+              <a:spcBef>
+                <a:spcPts val="0"/>
+              </a:spcBef>
+              <a:buNone/>
+            </a:pPr>
+            <a:r>
+              <a:rPr lang="en-US" sz="800" dirty="0"/>
+              <a:t>m2[i] += x[i] * x[i];</a:t>
+            </a:r>
+          </a:p>
+          <a:p>
+            <a:pPr marL="0" indent="0">
+              <a:lnSpc>
+                <a:spcPct val="70000"/>
+              </a:lnSpc>
+              <a:spcBef>
+                <a:spcPts val="0"/>
+              </a:spcBef>
+              <a:buNone/>
+            </a:pPr>
+            <a:r>
+              <a:rPr lang="ru-RU" sz="800" dirty="0"/>
+              <a:t>}</a:t>
+            </a:r>
+          </a:p>
+          <a:p>
+            <a:pPr marL="0" indent="0">
+              <a:lnSpc>
+                <a:spcPct val="70000"/>
+              </a:lnSpc>
+              <a:spcBef>
+                <a:spcPts val="0"/>
+              </a:spcBef>
+              <a:buNone/>
+            </a:pPr>
+            <a:r>
+              <a:rPr lang="ru-RU" sz="800" dirty="0"/>
+              <a:t>}</a:t>
+            </a:r>
+          </a:p>
+          <a:p>
+            <a:pPr marL="0" indent="0">
+              <a:lnSpc>
+                <a:spcPct val="70000"/>
+              </a:lnSpc>
+              <a:spcBef>
+                <a:spcPts val="0"/>
+              </a:spcBef>
+              <a:buNone/>
+            </a:pPr>
+            <a:r>
+              <a:rPr lang="en-US" sz="800" dirty="0"/>
+              <a:t>for (auto it = m1.begin(); it != m1.end(); ++it) *it /= </a:t>
+            </a:r>
+            <a:r>
+              <a:rPr lang="en-US" sz="800" dirty="0" err="1"/>
+              <a:t>previous_results.size</a:t>
+            </a:r>
+            <a:r>
+              <a:rPr lang="en-US" sz="800" dirty="0"/>
+              <a:t>();</a:t>
+            </a:r>
+          </a:p>
+          <a:p>
+            <a:pPr marL="0" indent="0">
+              <a:lnSpc>
+                <a:spcPct val="70000"/>
+              </a:lnSpc>
+              <a:spcBef>
+                <a:spcPts val="0"/>
+              </a:spcBef>
+              <a:buNone/>
+            </a:pPr>
+            <a:r>
+              <a:rPr lang="en-US" sz="800" dirty="0"/>
+              <a:t>for (auto it = m2.begin(); it != m2.end(); ++it) *it /= </a:t>
+            </a:r>
+            <a:r>
+              <a:rPr lang="en-US" sz="800" dirty="0" err="1"/>
+              <a:t>previous_results.size</a:t>
+            </a:r>
+            <a:r>
+              <a:rPr lang="en-US" sz="800" dirty="0"/>
+              <a:t>();</a:t>
+            </a:r>
+          </a:p>
+          <a:p>
+            <a:pPr marL="0" indent="0">
+              <a:lnSpc>
+                <a:spcPct val="70000"/>
+              </a:lnSpc>
+              <a:spcBef>
+                <a:spcPts val="0"/>
+              </a:spcBef>
+              <a:buNone/>
+            </a:pPr>
+            <a:r>
+              <a:rPr lang="en-US" sz="800" dirty="0"/>
+              <a:t>for (auto i = 0; i &lt; m1.size() &amp;&amp; i &lt; m2.size(); i++) </a:t>
+            </a:r>
+            <a:r>
+              <a:rPr lang="en-US" sz="800" dirty="0" err="1"/>
+              <a:t>dx.push_back</a:t>
+            </a:r>
+            <a:r>
+              <a:rPr lang="en-US" sz="800" dirty="0"/>
+              <a:t>(m2[i] - m1[i] * m1[i]);</a:t>
+            </a:r>
+          </a:p>
+          <a:p>
+            <a:pPr marL="0" indent="0">
+              <a:lnSpc>
+                <a:spcPct val="70000"/>
+              </a:lnSpc>
+              <a:spcBef>
+                <a:spcPts val="0"/>
+              </a:spcBef>
+              <a:buNone/>
+            </a:pPr>
+            <a:r>
+              <a:rPr lang="ru-RU" sz="800" dirty="0"/>
+              <a:t>}</a:t>
+            </a:r>
+          </a:p>
+          <a:p>
+            <a:pPr marL="0" indent="0">
+              <a:lnSpc>
+                <a:spcPct val="70000"/>
+              </a:lnSpc>
+              <a:spcBef>
+                <a:spcPts val="0"/>
+              </a:spcBef>
+              <a:buNone/>
+            </a:pPr>
+            <a:r>
+              <a:rPr lang="en-US" sz="800" dirty="0"/>
+              <a:t>while (</a:t>
+            </a:r>
+            <a:r>
+              <a:rPr lang="en-US" sz="800" dirty="0" err="1"/>
+              <a:t>std</a:t>
+            </a:r>
+            <a:r>
+              <a:rPr lang="en-US" sz="800" dirty="0"/>
+              <a:t>::</a:t>
+            </a:r>
+            <a:r>
+              <a:rPr lang="en-US" sz="800" dirty="0" err="1"/>
+              <a:t>getline</a:t>
+            </a:r>
+            <a:r>
+              <a:rPr lang="en-US" sz="800" dirty="0"/>
+              <a:t>(</a:t>
+            </a:r>
+            <a:r>
+              <a:rPr lang="en-US" sz="800" dirty="0" err="1"/>
+              <a:t>std</a:t>
+            </a:r>
+            <a:r>
+              <a:rPr lang="en-US" sz="800" dirty="0"/>
+              <a:t>::</a:t>
+            </a:r>
+            <a:r>
+              <a:rPr lang="en-US" sz="800" dirty="0" err="1"/>
+              <a:t>cin</a:t>
+            </a:r>
+            <a:r>
+              <a:rPr lang="en-US" sz="800" dirty="0"/>
+              <a:t>, line))</a:t>
+            </a:r>
+          </a:p>
+          <a:p>
+            <a:pPr marL="0" indent="0">
+              <a:lnSpc>
+                <a:spcPct val="70000"/>
+              </a:lnSpc>
+              <a:spcBef>
+                <a:spcPts val="0"/>
+              </a:spcBef>
+              <a:buNone/>
+            </a:pPr>
+            <a:r>
+              <a:rPr lang="ru-RU" sz="800" dirty="0"/>
+              <a:t>{</a:t>
+            </a:r>
+          </a:p>
+          <a:p>
+            <a:pPr marL="0" indent="0">
+              <a:lnSpc>
+                <a:spcPct val="70000"/>
+              </a:lnSpc>
+              <a:spcBef>
+                <a:spcPts val="0"/>
+              </a:spcBef>
+              <a:buNone/>
+            </a:pPr>
+            <a:r>
+              <a:rPr lang="en-US" sz="800" dirty="0"/>
+              <a:t>double y;</a:t>
+            </a:r>
+          </a:p>
+          <a:p>
+            <a:pPr marL="0" indent="0">
+              <a:lnSpc>
+                <a:spcPct val="70000"/>
+              </a:lnSpc>
+              <a:spcBef>
+                <a:spcPts val="0"/>
+              </a:spcBef>
+              <a:buNone/>
+            </a:pPr>
+            <a:r>
+              <a:rPr lang="en-US" sz="800" dirty="0" err="1"/>
+              <a:t>std</a:t>
+            </a:r>
+            <a:r>
+              <a:rPr lang="en-US" sz="800" dirty="0"/>
+              <a:t>::vector&lt;double&gt; x;</a:t>
+            </a:r>
+          </a:p>
+          <a:p>
+            <a:pPr marL="0" indent="0">
+              <a:lnSpc>
+                <a:spcPct val="70000"/>
+              </a:lnSpc>
+              <a:spcBef>
+                <a:spcPts val="0"/>
+              </a:spcBef>
+              <a:buNone/>
+            </a:pPr>
+            <a:r>
+              <a:rPr lang="en-US" sz="800" dirty="0" err="1"/>
+              <a:t>std</a:t>
+            </a:r>
+            <a:r>
+              <a:rPr lang="en-US" sz="800" dirty="0"/>
+              <a:t>::</a:t>
+            </a:r>
+            <a:r>
+              <a:rPr lang="en-US" sz="800" dirty="0" err="1"/>
+              <a:t>stringstream</a:t>
+            </a:r>
+            <a:r>
+              <a:rPr lang="en-US" sz="800" dirty="0"/>
+              <a:t> </a:t>
+            </a:r>
+            <a:r>
+              <a:rPr lang="en-US" sz="800" dirty="0" err="1"/>
+              <a:t>ss</a:t>
+            </a:r>
+            <a:r>
+              <a:rPr lang="en-US" sz="800" dirty="0"/>
+              <a:t>(line);</a:t>
+            </a:r>
+          </a:p>
+          <a:p>
+            <a:pPr marL="0" indent="0">
+              <a:lnSpc>
+                <a:spcPct val="70000"/>
+              </a:lnSpc>
+              <a:spcBef>
+                <a:spcPts val="0"/>
+              </a:spcBef>
+              <a:buNone/>
+            </a:pPr>
+            <a:r>
+              <a:rPr lang="en-US" sz="800" dirty="0" err="1"/>
+              <a:t>std</a:t>
+            </a:r>
+            <a:r>
+              <a:rPr lang="en-US" sz="800" dirty="0"/>
+              <a:t>::copy(</a:t>
+            </a:r>
+            <a:r>
+              <a:rPr lang="en-US" sz="800" dirty="0" err="1"/>
+              <a:t>std</a:t>
+            </a:r>
+            <a:r>
+              <a:rPr lang="en-US" sz="800" dirty="0"/>
+              <a:t>::</a:t>
+            </a:r>
+            <a:r>
+              <a:rPr lang="en-US" sz="800" dirty="0" err="1"/>
+              <a:t>istream_iterator</a:t>
+            </a:r>
+            <a:r>
+              <a:rPr lang="en-US" sz="800" dirty="0"/>
+              <a:t>&lt;double&gt;(</a:t>
+            </a:r>
+            <a:r>
+              <a:rPr lang="en-US" sz="800" dirty="0" err="1"/>
+              <a:t>ss</a:t>
+            </a:r>
+            <a:r>
+              <a:rPr lang="en-US" sz="800" dirty="0"/>
+              <a:t>), </a:t>
+            </a:r>
+            <a:r>
+              <a:rPr lang="en-US" sz="800" dirty="0" err="1"/>
+              <a:t>std</a:t>
+            </a:r>
+            <a:r>
+              <a:rPr lang="en-US" sz="800" dirty="0"/>
+              <a:t>::</a:t>
+            </a:r>
+            <a:r>
+              <a:rPr lang="en-US" sz="800" dirty="0" err="1"/>
+              <a:t>istream_iterator</a:t>
+            </a:r>
+            <a:r>
+              <a:rPr lang="en-US" sz="800" dirty="0"/>
+              <a:t>&lt;double&gt;(),</a:t>
+            </a:r>
+          </a:p>
+          <a:p>
+            <a:pPr marL="0" indent="0">
+              <a:lnSpc>
+                <a:spcPct val="70000"/>
+              </a:lnSpc>
+              <a:spcBef>
+                <a:spcPts val="0"/>
+              </a:spcBef>
+              <a:buNone/>
+            </a:pPr>
+            <a:r>
+              <a:rPr lang="en-US" sz="800" dirty="0" err="1"/>
+              <a:t>std</a:t>
+            </a:r>
+            <a:r>
+              <a:rPr lang="en-US" sz="800" dirty="0"/>
+              <a:t>::</a:t>
+            </a:r>
+            <a:r>
+              <a:rPr lang="en-US" sz="800" dirty="0" err="1"/>
+              <a:t>back_inserter</a:t>
+            </a:r>
+            <a:r>
+              <a:rPr lang="en-US" sz="800" dirty="0"/>
+              <a:t>(x));</a:t>
+            </a:r>
+          </a:p>
+          <a:p>
+            <a:pPr marL="0" indent="0">
+              <a:lnSpc>
+                <a:spcPct val="70000"/>
+              </a:lnSpc>
+              <a:spcBef>
+                <a:spcPts val="0"/>
+              </a:spcBef>
+              <a:buNone/>
+            </a:pPr>
+            <a:r>
+              <a:rPr lang="en-US" sz="800" dirty="0"/>
+              <a:t>y = predict(x, </a:t>
+            </a:r>
+            <a:r>
+              <a:rPr lang="en-US" sz="800" dirty="0" err="1"/>
+              <a:t>previous_results</a:t>
+            </a:r>
+            <a:r>
+              <a:rPr lang="en-US" sz="800" dirty="0"/>
+              <a:t>, dx, p);</a:t>
+            </a:r>
+          </a:p>
+          <a:p>
+            <a:pPr marL="0" indent="0">
+              <a:lnSpc>
+                <a:spcPct val="70000"/>
+              </a:lnSpc>
+              <a:spcBef>
+                <a:spcPts val="0"/>
+              </a:spcBef>
+              <a:buNone/>
+            </a:pPr>
+            <a:r>
+              <a:rPr lang="en-US" sz="800" dirty="0"/>
+              <a:t>for (auto it = </a:t>
+            </a:r>
+            <a:r>
+              <a:rPr lang="en-US" sz="800" dirty="0" err="1"/>
+              <a:t>x.begin</a:t>
+            </a:r>
+            <a:r>
+              <a:rPr lang="en-US" sz="800" dirty="0"/>
+              <a:t>(); it != </a:t>
+            </a:r>
+            <a:r>
+              <a:rPr lang="en-US" sz="800" dirty="0" err="1"/>
+              <a:t>x.end</a:t>
+            </a:r>
+            <a:r>
+              <a:rPr lang="en-US" sz="800" dirty="0"/>
+              <a:t>(); ++it) </a:t>
+            </a:r>
+            <a:r>
+              <a:rPr lang="en-US" sz="800" dirty="0" err="1"/>
+              <a:t>std</a:t>
+            </a:r>
+            <a:r>
+              <a:rPr lang="en-US" sz="800" dirty="0"/>
+              <a:t>::</a:t>
+            </a:r>
+            <a:r>
+              <a:rPr lang="en-US" sz="800" dirty="0" err="1"/>
+              <a:t>cout</a:t>
+            </a:r>
+            <a:r>
+              <a:rPr lang="en-US" sz="800" dirty="0"/>
+              <a:t> &lt;&lt; *it &lt;&lt; ' ';</a:t>
+            </a:r>
+          </a:p>
+          <a:p>
+            <a:pPr marL="0" indent="0">
+              <a:lnSpc>
+                <a:spcPct val="70000"/>
+              </a:lnSpc>
+              <a:spcBef>
+                <a:spcPts val="0"/>
+              </a:spcBef>
+              <a:buNone/>
+            </a:pPr>
+            <a:r>
+              <a:rPr lang="en-US" sz="800" dirty="0" err="1"/>
+              <a:t>std</a:t>
+            </a:r>
+            <a:r>
+              <a:rPr lang="en-US" sz="800" dirty="0"/>
+              <a:t>::</a:t>
+            </a:r>
+            <a:r>
+              <a:rPr lang="en-US" sz="800" dirty="0" err="1"/>
+              <a:t>cout</a:t>
+            </a:r>
+            <a:r>
+              <a:rPr lang="en-US" sz="800" dirty="0"/>
+              <a:t> &lt;&lt; y &lt;&lt; </a:t>
+            </a:r>
+            <a:r>
+              <a:rPr lang="en-US" sz="800" dirty="0" err="1"/>
+              <a:t>std</a:t>
+            </a:r>
+            <a:r>
+              <a:rPr lang="en-US" sz="800" dirty="0"/>
+              <a:t>::</a:t>
+            </a:r>
+            <a:r>
+              <a:rPr lang="en-US" sz="800" dirty="0" err="1"/>
+              <a:t>endl</a:t>
+            </a:r>
+            <a:r>
+              <a:rPr lang="en-US" sz="800" dirty="0"/>
+              <a:t>;</a:t>
+            </a:r>
+          </a:p>
+          <a:p>
+            <a:pPr marL="0" indent="0">
+              <a:lnSpc>
+                <a:spcPct val="70000"/>
+              </a:lnSpc>
+              <a:spcBef>
+                <a:spcPts val="0"/>
+              </a:spcBef>
+              <a:buNone/>
+            </a:pPr>
+            <a:r>
+              <a:rPr lang="ru-RU" sz="800" dirty="0"/>
+              <a:t>}</a:t>
+            </a:r>
+          </a:p>
+          <a:p>
+            <a:pPr marL="0" indent="0">
+              <a:lnSpc>
+                <a:spcPct val="70000"/>
+              </a:lnSpc>
+              <a:spcBef>
+                <a:spcPts val="0"/>
+              </a:spcBef>
+              <a:buNone/>
+            </a:pPr>
+            <a:r>
+              <a:rPr lang="en-US" sz="800" dirty="0"/>
+              <a:t>return 0;</a:t>
+            </a:r>
+          </a:p>
+          <a:p>
+            <a:pPr marL="0" indent="0">
+              <a:lnSpc>
+                <a:spcPct val="70000"/>
+              </a:lnSpc>
+              <a:spcBef>
+                <a:spcPts val="0"/>
+              </a:spcBef>
+              <a:buNone/>
+            </a:pPr>
+            <a:r>
+              <a:rPr lang="ru-RU" sz="800" dirty="0"/>
+              <a:t>}</a:t>
+            </a:r>
+          </a:p>
+          <a:p>
+            <a:pPr marL="0" indent="0">
+              <a:lnSpc>
+                <a:spcPct val="70000"/>
+              </a:lnSpc>
+              <a:spcBef>
+                <a:spcPts val="0"/>
+              </a:spcBef>
+              <a:buNone/>
+            </a:pPr>
+            <a:endParaRPr lang="en-US" sz="800" dirty="0" smtClean="0"/>
+          </a:p>
+        </p:txBody>
+      </p:sp>
+    </p:spTree>
+    <p:extLst>
+      <p:ext uri="{BB962C8B-B14F-4D97-AF65-F5344CB8AC3E}">
+        <p14:creationId xmlns:p14="http://schemas.microsoft.com/office/powerpoint/2010/main" val="755664138"/>
+      </p:ext>
+    </p:extLst>
+  </p:cSld>
+  <p:clrMapOvr>
+    <a:masterClrMapping/>
+  </p:clrMapOvr>
+</p:sld>
+</file>
+
+<file path=ppt/slides/slide7.xml><?xml version="1.0" encoding="utf-8"?>
+<p:sld xmlns:a="http://schemas.openxmlformats.org/drawingml/2006/main" xmlns:r="http://schemas.openxmlformats.org/officeDocument/2006/relationships" xmlns:p="http://schemas.openxmlformats.org/presentationml/2006/main">
+  <p:cSld>
+    <p:spTree>
+      <p:nvGrpSpPr>
+        <p:cNvPr id="1" name=""/>
+        <p:cNvGrpSpPr/>
+        <p:nvPr/>
+      </p:nvGrpSpPr>
+      <p:grpSpPr>
+        <a:xfrm>
+          <a:off x="0" y="0"/>
+          <a:ext cx="0" cy="0"/>
+          <a:chOff x="0" y="0"/>
+          <a:chExt cx="0" cy="0"/>
+        </a:xfrm>
+      </p:grpSpPr>
+      <p:sp>
+        <p:nvSpPr>
+          <p:cNvPr id="2" name="Заголовок 1"/>
+          <p:cNvSpPr>
+            <a:spLocks noGrp="1"/>
+          </p:cNvSpPr>
+          <p:nvPr>
+            <p:ph type="title"/>
+          </p:nvPr>
+        </p:nvSpPr>
+        <p:spPr/>
+        <p:txBody>
+          <a:bodyPr>
+            <a:normAutofit fontScale="90000"/>
+          </a:bodyPr>
+          <a:lstStyle/>
+          <a:p>
+            <a:r>
+              <a:rPr lang="ru-RU" dirty="0" smtClean="0"/>
+              <a:t>Демонстрация </a:t>
+            </a:r>
+            <a:r>
+              <a:rPr lang="ru-RU" dirty="0" err="1"/>
+              <a:t>апроксимации</a:t>
+            </a:r>
+            <a:r>
+              <a:rPr lang="ru-RU" dirty="0"/>
+              <a:t> для функции двух переменных</a:t>
+            </a:r>
+            <a:r>
+              <a:rPr lang="en-US" dirty="0" smtClean="0"/>
+              <a:t/>
+            </a:r>
+            <a:br>
+              <a:rPr lang="en-US" dirty="0" smtClean="0"/>
+            </a:br>
+            <a:endParaRPr lang="ru-RU" dirty="0"/>
+          </a:p>
+        </p:txBody>
+      </p:sp>
+      <p:sp>
+        <p:nvSpPr>
+          <p:cNvPr id="5" name="Объект 4"/>
+          <p:cNvSpPr>
+            <a:spLocks noGrp="1"/>
+          </p:cNvSpPr>
+          <p:nvPr>
+            <p:ph idx="1"/>
+          </p:nvPr>
+        </p:nvSpPr>
+        <p:spPr/>
+        <p:txBody>
+          <a:bodyPr/>
+          <a:lstStyle/>
+          <a:p>
+            <a:r>
+              <a:rPr lang="en-US" dirty="0" smtClean="0"/>
+              <a:t>history.txt</a:t>
+            </a:r>
+            <a:r>
+              <a:rPr lang="en-US" dirty="0"/>
+              <a:t>:</a:t>
+            </a:r>
+            <a:endParaRPr lang="ru-RU" dirty="0" smtClean="0"/>
+          </a:p>
+          <a:p>
+            <a:pPr marL="0" indent="0">
+              <a:buNone/>
+            </a:pPr>
+            <a:r>
+              <a:rPr lang="ru-RU" dirty="0" smtClean="0"/>
+              <a:t>-</a:t>
+            </a:r>
+            <a:r>
+              <a:rPr lang="ru-RU" dirty="0"/>
+              <a:t>1 -1 -</a:t>
+            </a:r>
+            <a:r>
+              <a:rPr lang="ru-RU" dirty="0" smtClean="0"/>
+              <a:t>10</a:t>
+            </a:r>
+            <a:endParaRPr lang="en-US" dirty="0" smtClean="0"/>
+          </a:p>
+          <a:p>
+            <a:pPr marL="0" indent="0">
+              <a:buNone/>
+            </a:pPr>
+            <a:r>
+              <a:rPr lang="en-US" dirty="0" smtClean="0"/>
+              <a:t> </a:t>
+            </a:r>
+            <a:r>
+              <a:rPr lang="ru-RU" dirty="0" smtClean="0"/>
+              <a:t>1</a:t>
+            </a:r>
+            <a:r>
+              <a:rPr lang="en-US" dirty="0" smtClean="0"/>
+              <a:t> </a:t>
+            </a:r>
+            <a:r>
+              <a:rPr lang="ru-RU" dirty="0" smtClean="0"/>
+              <a:t> </a:t>
+            </a:r>
+            <a:r>
+              <a:rPr lang="ru-RU" dirty="0"/>
+              <a:t>1 </a:t>
+            </a:r>
+            <a:r>
+              <a:rPr lang="en-US" dirty="0" smtClean="0"/>
+              <a:t>  </a:t>
+            </a:r>
+            <a:r>
+              <a:rPr lang="ru-RU" dirty="0" smtClean="0"/>
+              <a:t>10</a:t>
+            </a:r>
+            <a:endParaRPr lang="en-US" dirty="0" smtClean="0"/>
+          </a:p>
+          <a:p>
+            <a:pPr marL="0" indent="0">
+              <a:buNone/>
+            </a:pPr>
+            <a:r>
+              <a:rPr lang="en-US" dirty="0" smtClean="0"/>
+              <a:t> </a:t>
+            </a:r>
+            <a:r>
+              <a:rPr lang="ru-RU" dirty="0" smtClean="0"/>
+              <a:t>0</a:t>
+            </a:r>
+            <a:r>
+              <a:rPr lang="en-US" dirty="0" smtClean="0"/>
+              <a:t> </a:t>
+            </a:r>
+            <a:r>
+              <a:rPr lang="ru-RU" dirty="0" smtClean="0"/>
+              <a:t> </a:t>
+            </a:r>
+            <a:r>
+              <a:rPr lang="ru-RU" dirty="0"/>
+              <a:t>0 </a:t>
+            </a:r>
+            <a:r>
+              <a:rPr lang="en-US" dirty="0" smtClean="0"/>
+              <a:t>  </a:t>
+            </a:r>
+            <a:r>
+              <a:rPr lang="ru-RU" dirty="0" smtClean="0"/>
+              <a:t>0</a:t>
+            </a:r>
+            <a:endParaRPr lang="en-US" dirty="0" smtClean="0"/>
+          </a:p>
+          <a:p>
+            <a:pPr marL="0" indent="0">
+              <a:buNone/>
+            </a:pPr>
+            <a:r>
+              <a:rPr lang="ru-RU" dirty="0" smtClean="0"/>
+              <a:t>-</a:t>
+            </a:r>
+            <a:r>
+              <a:rPr lang="ru-RU" dirty="0"/>
+              <a:t>1 </a:t>
+            </a:r>
+            <a:r>
+              <a:rPr lang="en-US" dirty="0" smtClean="0"/>
+              <a:t> </a:t>
+            </a:r>
+            <a:r>
+              <a:rPr lang="ru-RU" dirty="0" smtClean="0"/>
+              <a:t>1 </a:t>
+            </a:r>
+            <a:r>
+              <a:rPr lang="ru-RU" dirty="0"/>
+              <a:t>-</a:t>
+            </a:r>
+            <a:r>
+              <a:rPr lang="ru-RU" dirty="0" smtClean="0"/>
+              <a:t>8</a:t>
+            </a:r>
+            <a:endParaRPr lang="en-US" dirty="0" smtClean="0"/>
+          </a:p>
+          <a:p>
+            <a:pPr marL="0" indent="0">
+              <a:buNone/>
+            </a:pPr>
+            <a:r>
+              <a:rPr lang="en-US" dirty="0" smtClean="0"/>
+              <a:t> </a:t>
+            </a:r>
+            <a:r>
+              <a:rPr lang="ru-RU" dirty="0" smtClean="0"/>
+              <a:t>1 -</a:t>
+            </a:r>
+            <a:r>
+              <a:rPr lang="ru-RU" dirty="0"/>
+              <a:t>1 -20</a:t>
+            </a:r>
+          </a:p>
+        </p:txBody>
+      </p:sp>
+    </p:spTree>
+    <p:extLst>
+      <p:ext uri="{BB962C8B-B14F-4D97-AF65-F5344CB8AC3E}">
+        <p14:creationId xmlns:p14="http://schemas.microsoft.com/office/powerpoint/2010/main" val="2986159834"/>
+      </p:ext>
+    </p:extLst>
+  </p:cSld>
+  <p:clrMapOvr>
+    <a:masterClrMapping/>
+  </p:clrMapOvr>
+</p:sld>
+</file>
+
+<file path=ppt/slides/slide8.xml><?xml version="1.0" encoding="utf-8"?>
+<p:sld xmlns:a="http://schemas.openxmlformats.org/drawingml/2006/main" xmlns:r="http://schemas.openxmlformats.org/officeDocument/2006/relationships" xmlns:p="http://schemas.openxmlformats.org/presentationml/2006/main">
+  <p:cSld>
+    <p:spTree>
+      <p:nvGrpSpPr>
+        <p:cNvPr id="1" name=""/>
+        <p:cNvGrpSpPr/>
+        <p:nvPr/>
+      </p:nvGrpSpPr>
+      <p:grpSpPr>
+        <a:xfrm>
+          <a:off x="0" y="0"/>
+          <a:ext cx="0" cy="0"/>
+          <a:chOff x="0" y="0"/>
+          <a:chExt cx="0" cy="0"/>
+        </a:xfrm>
+      </p:grpSpPr>
+      <p:sp>
+        <p:nvSpPr>
+          <p:cNvPr id="2" name="Заголовок 1"/>
+          <p:cNvSpPr>
+            <a:spLocks noGrp="1"/>
+          </p:cNvSpPr>
+          <p:nvPr>
+            <p:ph type="title"/>
+          </p:nvPr>
+        </p:nvSpPr>
+        <p:spPr/>
+        <p:txBody>
+          <a:bodyPr>
+            <a:normAutofit fontScale="90000"/>
+          </a:bodyPr>
+          <a:lstStyle/>
+          <a:p>
             <a:r>
               <a:rPr lang="en-US" sz="3100" dirty="0"/>
-              <a:t>predict.exe -history history.txt -input input.txt -output output.txt</a:t>
+              <a:t>predict.exe -history history.txt -input input.txt -output </a:t>
+            </a:r>
+            <a:r>
+              <a:rPr lang="en-US" sz="3100" dirty="0" smtClean="0"/>
+              <a:t>output.txt –p 5</a:t>
             </a:r>
             <a:r>
               <a:rPr lang="en-US" dirty="0"/>
@@ -4768,7 +9773,7 @@
       </p:sp>
       <p:pic>
         <p:nvPicPr>
-          <p:cNvPr id="4" name="Объект 3"/>
+          <p:cNvPr id="5" name="Объект 4"/>
           <p:cNvPicPr>
             <a:picLocks noGrp="1" noChangeAspect="1"/>
           </p:cNvPicPr>
@@ -4790,8 +9795,8 @@
         </p:blipFill>
         <p:spPr>
           <a:xfrm>
-            <a:off x="2912516" y="1825625"/>
-            <a:ext cx="6366967" cy="4351338"/>
+            <a:off x="3048000" y="2158206"/>
+            <a:ext cx="6096000" cy="3686175"/>
           </a:xfrm>
         </p:spPr>
       </p:pic>
@@ -4799,6 +9804,138 @@
     <p:extLst>
       <p:ext uri="{BB962C8B-B14F-4D97-AF65-F5344CB8AC3E}">
         <p14:creationId xmlns:p14="http://schemas.microsoft.com/office/powerpoint/2010/main" val="2557746262"/>
+      </p:ext>
+    </p:extLst>
+  </p:cSld>
+  <p:clrMapOvr>
+    <a:masterClrMapping/>
+  </p:clrMapOvr>
+</p:sld>
+</file>
+
+<file path=ppt/slides/slide9.xml><?xml version="1.0" encoding="utf-8"?>
+<p:sld xmlns:a="http://schemas.openxmlformats.org/drawingml/2006/main" xmlns:r="http://schemas.openxmlformats.org/officeDocument/2006/relationships" xmlns:p="http://schemas.openxmlformats.org/presentationml/2006/main">
+  <p:cSld>
+    <p:spTree>
+      <p:nvGrpSpPr>
+        <p:cNvPr id="1" name=""/>
+        <p:cNvGrpSpPr/>
+        <p:nvPr/>
+      </p:nvGrpSpPr>
+      <p:grpSpPr>
+        <a:xfrm>
+          <a:off x="0" y="0"/>
+          <a:ext cx="0" cy="0"/>
+          <a:chOff x="0" y="0"/>
+          <a:chExt cx="0" cy="0"/>
+        </a:xfrm>
+      </p:grpSpPr>
+      <p:sp>
+        <p:nvSpPr>
+          <p:cNvPr id="2" name="Заголовок 1"/>
+          <p:cNvSpPr>
+            <a:spLocks noGrp="1"/>
+          </p:cNvSpPr>
+          <p:nvPr>
+            <p:ph type="title"/>
+          </p:nvPr>
+        </p:nvSpPr>
+        <p:spPr/>
+        <p:txBody>
+          <a:bodyPr/>
+          <a:lstStyle/>
+          <a:p>
+            <a:r>
+              <a:rPr lang="ru-RU" dirty="0"/>
+              <a:t>Используемое программное обеспечение</a:t>
+            </a:r>
+          </a:p>
+        </p:txBody>
+      </p:sp>
+      <p:sp>
+        <p:nvSpPr>
+          <p:cNvPr id="3" name="Объект 2"/>
+          <p:cNvSpPr>
+            <a:spLocks noGrp="1"/>
+          </p:cNvSpPr>
+          <p:nvPr>
+            <p:ph idx="1"/>
+          </p:nvPr>
+        </p:nvSpPr>
+        <p:spPr/>
+        <p:txBody>
+          <a:bodyPr/>
+          <a:lstStyle/>
+          <a:p>
+            <a:r>
+              <a:rPr lang="ru-RU" dirty="0"/>
+              <a:t>Microsoft </a:t>
+            </a:r>
+            <a:r>
+              <a:rPr lang="ru-RU" dirty="0" err="1"/>
+              <a:t>Visual</a:t>
+            </a:r>
+            <a:r>
+              <a:rPr lang="ru-RU" dirty="0"/>
+              <a:t> </a:t>
+            </a:r>
+            <a:r>
+              <a:rPr lang="ru-RU" dirty="0" err="1"/>
+              <a:t>Studio</a:t>
+            </a:r>
+            <a:r>
+              <a:rPr lang="ru-RU" dirty="0"/>
+              <a:t> 2013 - среда </a:t>
+            </a:r>
+            <a:r>
+              <a:rPr lang="ru-RU" dirty="0" smtClean="0"/>
+              <a:t>программирования</a:t>
+            </a:r>
+          </a:p>
+          <a:p>
+            <a:r>
+              <a:rPr lang="ru-RU" dirty="0" err="1" smtClean="0"/>
+              <a:t>gnuplot</a:t>
+            </a:r>
+            <a:r>
+              <a:rPr lang="ru-RU" dirty="0" smtClean="0"/>
+              <a:t>  </a:t>
+            </a:r>
+            <a:r>
+              <a:rPr lang="ru-RU" dirty="0"/>
+              <a:t>- </a:t>
+            </a:r>
+            <a:r>
+              <a:rPr lang="ru-RU" dirty="0" smtClean="0"/>
+              <a:t>кросс-платформенный инструмент </a:t>
+            </a:r>
+            <a:r>
+              <a:rPr lang="ru-RU" dirty="0"/>
+              <a:t>для построения графиков </a:t>
+            </a:r>
+            <a:r>
+              <a:rPr lang="ru-RU" dirty="0">
+                <a:hlinkClick r:id="rId2"/>
+              </a:rPr>
+              <a:t>http://</a:t>
+            </a:r>
+            <a:r>
+              <a:rPr lang="ru-RU" dirty="0" smtClean="0">
+                <a:hlinkClick r:id="rId2"/>
+              </a:rPr>
+              <a:t>www.gnuplot.info</a:t>
+            </a:r>
+            <a:endParaRPr lang="ru-RU" dirty="0" smtClean="0"/>
+          </a:p>
+          <a:p>
+            <a:endParaRPr lang="ru-RU" dirty="0"/>
+          </a:p>
+        </p:txBody>
+      </p:sp>
+    </p:spTree>
+    <p:extLst>
+      <p:ext uri="{BB962C8B-B14F-4D97-AF65-F5344CB8AC3E}">
+        <p14:creationId xmlns:p14="http://schemas.microsoft.com/office/powerpoint/2010/main" val="2217508659"/>
       </p:ext>
     </p:extLst>
   </p:cSld>
